--- a/presentation/Greedy_algorithm.pptx
+++ b/presentation/Greedy_algorithm.pptx
@@ -112,6 +112,11 @@
       </a:defRPr>
     </a:lvl9pPr>
   </p:defaultTextStyle>
+  <p:extLst>
+    <p:ext uri="{EFAFB233-063F-42B5-8137-9DF3F51BA10A}">
+      <p15:sldGuideLst xmlns:p15="http://schemas.microsoft.com/office/powerpoint/2012/main"/>
+    </p:ext>
+  </p:extLst>
 </p:presentation>
 </file>
 
@@ -3763,10 +3768,182 @@
         </p:nvSpPr>
         <p:spPr/>
         <p:txBody>
-          <a:bodyPr/>
-          <a:lstStyle/>
-          <a:p>
-            <a:endParaRPr lang="ru-RU"/>
+          <a:bodyPr>
+            <a:normAutofit/>
+          </a:bodyPr>
+          <a:lstStyle/>
+          <a:p>
+            <a:pPr algn="l"/>
+            <a:r>
+              <a:rPr lang="ru-RU" b="0" i="0" dirty="0">
+                <a:solidFill>
+                  <a:srgbClr val="1F2328"/>
+                </a:solidFill>
+                <a:effectLst/>
+                <a:latin typeface="-apple-system"/>
+              </a:rPr>
+              <a:t>Для работы над проектом используются следующие технологии:</a:t>
+            </a:r>
+          </a:p>
+          <a:p>
+            <a:pPr algn="l">
+              <a:buFont typeface="Arial" panose="020B0604020202020204" pitchFamily="34" charset="0"/>
+              <a:buChar char="•"/>
+            </a:pPr>
+            <a:r>
+              <a:rPr lang="en-US" b="0" i="0" dirty="0">
+                <a:solidFill>
+                  <a:srgbClr val="1F2328"/>
+                </a:solidFill>
+                <a:effectLst/>
+                <a:latin typeface="-apple-system"/>
+              </a:rPr>
+              <a:t>Python</a:t>
+            </a:r>
+          </a:p>
+          <a:p>
+            <a:pPr algn="l">
+              <a:buFont typeface="Arial" panose="020B0604020202020204" pitchFamily="34" charset="0"/>
+              <a:buChar char="•"/>
+            </a:pPr>
+            <a:r>
+              <a:rPr lang="en-US" b="0" i="0" dirty="0" err="1">
+                <a:solidFill>
+                  <a:srgbClr val="1F2328"/>
+                </a:solidFill>
+                <a:effectLst/>
+                <a:latin typeface="-apple-system"/>
+              </a:rPr>
+              <a:t>Jupyter</a:t>
+            </a:r>
+            <a:r>
+              <a:rPr lang="en-US" b="0" i="0" dirty="0">
+                <a:solidFill>
+                  <a:srgbClr val="1F2328"/>
+                </a:solidFill>
+                <a:effectLst/>
+                <a:latin typeface="-apple-system"/>
+              </a:rPr>
+              <a:t> Notebook</a:t>
+            </a:r>
+          </a:p>
+          <a:p>
+            <a:pPr algn="l">
+              <a:buFont typeface="Arial" panose="020B0604020202020204" pitchFamily="34" charset="0"/>
+              <a:buChar char="•"/>
+            </a:pPr>
+            <a:r>
+              <a:rPr lang="ru-RU" b="0" i="0" dirty="0">
+                <a:solidFill>
+                  <a:srgbClr val="1F2328"/>
+                </a:solidFill>
+                <a:effectLst/>
+                <a:latin typeface="-apple-system"/>
+              </a:rPr>
+              <a:t>Библиотеки для анализа данных: </a:t>
+            </a:r>
+            <a:r>
+              <a:rPr lang="en-US" b="0" i="0" dirty="0">
+                <a:solidFill>
+                  <a:srgbClr val="1F2328"/>
+                </a:solidFill>
+                <a:effectLst/>
+                <a:latin typeface="-apple-system"/>
+              </a:rPr>
+              <a:t>pandas, </a:t>
+            </a:r>
+            <a:r>
+              <a:rPr lang="en-US" b="0" i="0" dirty="0" err="1">
+                <a:solidFill>
+                  <a:srgbClr val="1F2328"/>
+                </a:solidFill>
+                <a:effectLst/>
+                <a:latin typeface="-apple-system"/>
+              </a:rPr>
+              <a:t>numpy</a:t>
+            </a:r>
+            <a:r>
+              <a:rPr lang="en-US" b="0" i="0" dirty="0">
+                <a:solidFill>
+                  <a:srgbClr val="1F2328"/>
+                </a:solidFill>
+                <a:effectLst/>
+                <a:latin typeface="-apple-system"/>
+              </a:rPr>
+              <a:t>, </a:t>
+            </a:r>
+            <a:r>
+              <a:rPr lang="en-US" b="0" i="0" dirty="0" err="1">
+                <a:solidFill>
+                  <a:srgbClr val="1F2328"/>
+                </a:solidFill>
+                <a:effectLst/>
+                <a:latin typeface="-apple-system"/>
+              </a:rPr>
+              <a:t>sklearn</a:t>
+            </a:r>
+            <a:endParaRPr lang="en-US" b="0" i="0" dirty="0">
+              <a:solidFill>
+                <a:srgbClr val="1F2328"/>
+              </a:solidFill>
+              <a:effectLst/>
+              <a:latin typeface="-apple-system"/>
+            </a:endParaRPr>
+          </a:p>
+          <a:p>
+            <a:pPr algn="l">
+              <a:buFont typeface="Arial" panose="020B0604020202020204" pitchFamily="34" charset="0"/>
+              <a:buChar char="•"/>
+            </a:pPr>
+            <a:r>
+              <a:rPr lang="ru-RU" b="0" i="0" dirty="0">
+                <a:solidFill>
+                  <a:srgbClr val="1F2328"/>
+                </a:solidFill>
+                <a:effectLst/>
+                <a:latin typeface="-apple-system"/>
+              </a:rPr>
+              <a:t>Библиотеки для визуализации: </a:t>
+            </a:r>
+            <a:r>
+              <a:rPr lang="en-US" b="0" i="0" dirty="0">
+                <a:solidFill>
+                  <a:srgbClr val="1F2328"/>
+                </a:solidFill>
+                <a:effectLst/>
+                <a:latin typeface="-apple-system"/>
+              </a:rPr>
+              <a:t>matplotlib, seaborn</a:t>
+            </a:r>
+          </a:p>
+          <a:p>
+            <a:pPr algn="l">
+              <a:buFont typeface="Arial" panose="020B0604020202020204" pitchFamily="34" charset="0"/>
+              <a:buChar char="•"/>
+            </a:pPr>
+            <a:r>
+              <a:rPr lang="en-US" b="0" i="0" dirty="0">
+                <a:solidFill>
+                  <a:srgbClr val="1F2328"/>
+                </a:solidFill>
+                <a:effectLst/>
+                <a:latin typeface="-apple-system"/>
+              </a:rPr>
+              <a:t>Flask </a:t>
+            </a:r>
+            <a:r>
+              <a:rPr lang="ru-RU" b="0" i="0" dirty="0">
+                <a:solidFill>
+                  <a:srgbClr val="1F2328"/>
+                </a:solidFill>
+                <a:effectLst/>
+                <a:latin typeface="-apple-system"/>
+              </a:rPr>
+              <a:t>для разработки веб-интерфейса</a:t>
+            </a:r>
+          </a:p>
+          <a:p>
+            <a:endParaRPr lang="ru-RU" dirty="0"/>
           </a:p>
         </p:txBody>
       </p:sp>
@@ -3849,7 +4026,84 @@
           <a:bodyPr/>
           <a:lstStyle/>
           <a:p>
-            <a:endParaRPr lang="ru-RU"/>
+            <a:pPr algn="l"/>
+            <a:r>
+              <a:rPr lang="ru-RU" b="0" i="0" dirty="0">
+                <a:solidFill>
+                  <a:srgbClr val="1F2328"/>
+                </a:solidFill>
+                <a:effectLst/>
+                <a:latin typeface="-apple-system"/>
+              </a:rPr>
+              <a:t>Мы используем данные технологического режима эксплуатации трубопроводов, такие как:</a:t>
+            </a:r>
+          </a:p>
+          <a:p>
+            <a:pPr algn="l">
+              <a:buFont typeface="Arial" panose="020B0604020202020204" pitchFamily="34" charset="0"/>
+              <a:buChar char="•"/>
+            </a:pPr>
+            <a:r>
+              <a:rPr lang="ru-RU" b="0" i="0" dirty="0">
+                <a:solidFill>
+                  <a:srgbClr val="1F2328"/>
+                </a:solidFill>
+                <a:effectLst/>
+                <a:latin typeface="-apple-system"/>
+              </a:rPr>
+              <a:t>Давление</a:t>
+            </a:r>
+          </a:p>
+          <a:p>
+            <a:pPr algn="l">
+              <a:buFont typeface="Arial" panose="020B0604020202020204" pitchFamily="34" charset="0"/>
+              <a:buChar char="•"/>
+            </a:pPr>
+            <a:r>
+              <a:rPr lang="ru-RU" b="0" i="0" dirty="0">
+                <a:solidFill>
+                  <a:srgbClr val="1F2328"/>
+                </a:solidFill>
+                <a:effectLst/>
+                <a:latin typeface="-apple-system"/>
+              </a:rPr>
+              <a:t>Температура</a:t>
+            </a:r>
+          </a:p>
+          <a:p>
+            <a:pPr algn="l">
+              <a:buFont typeface="Arial" panose="020B0604020202020204" pitchFamily="34" charset="0"/>
+              <a:buChar char="•"/>
+            </a:pPr>
+            <a:r>
+              <a:rPr lang="ru-RU" b="0" i="0" dirty="0">
+                <a:solidFill>
+                  <a:srgbClr val="1F2328"/>
+                </a:solidFill>
+                <a:effectLst/>
+                <a:latin typeface="-apple-system"/>
+              </a:rPr>
+              <a:t>Поток жидкости</a:t>
+            </a:r>
+          </a:p>
+          <a:p>
+            <a:pPr algn="l">
+              <a:buFont typeface="Arial" panose="020B0604020202020204" pitchFamily="34" charset="0"/>
+              <a:buChar char="•"/>
+            </a:pPr>
+            <a:r>
+              <a:rPr lang="ru-RU" b="0" i="0" dirty="0">
+                <a:solidFill>
+                  <a:srgbClr val="1F2328"/>
+                </a:solidFill>
+                <a:effectLst/>
+                <a:latin typeface="-apple-system"/>
+              </a:rPr>
+              <a:t>Вибрации</a:t>
+            </a:r>
+          </a:p>
+          <a:p>
+            <a:endParaRPr lang="ru-RU" dirty="0"/>
           </a:p>
         </p:txBody>
       </p:sp>
@@ -4015,7 +4269,39 @@
           <a:bodyPr/>
           <a:lstStyle/>
           <a:p>
-            <a:endParaRPr lang="ru-RU"/>
+            <a:pPr marL="0" indent="0">
+              <a:buNone/>
+            </a:pPr>
+            <a:r>
+              <a:rPr lang="ru-RU" dirty="0"/>
+              <a:t>Ссылка на видео демонстрацию</a:t>
+            </a:r>
+          </a:p>
+          <a:p>
+            <a:pPr marL="0" indent="0">
+              <a:buNone/>
+            </a:pPr>
+            <a:r>
+              <a:rPr lang="en-US" dirty="0"/>
+              <a:t>//youtube.com/some video</a:t>
+            </a:r>
+            <a:endParaRPr lang="ru-RU" dirty="0"/>
+          </a:p>
+          <a:p>
+            <a:pPr marL="0" indent="0">
+              <a:buNone/>
+            </a:pPr>
+            <a:r>
+              <a:rPr lang="ru-RU" dirty="0"/>
+              <a:t>Ссылка на репозиторий</a:t>
+            </a:r>
+          </a:p>
+          <a:p>
+            <a:r>
+              <a:rPr lang="en-US" dirty="0"/>
+              <a:t>https://github.com/ark2016/NESTRO_CHALLENGE_2023</a:t>
+            </a:r>
+            <a:endParaRPr lang="ru-RU" dirty="0"/>
           </a:p>
         </p:txBody>
       </p:sp>
@@ -4067,7 +4353,7 @@
         </p:nvSpPr>
         <p:spPr>
           <a:xfrm>
-            <a:off x="838200" y="2766218"/>
+            <a:off x="838200" y="2695197"/>
             <a:ext cx="10515600" cy="1325563"/>
           </a:xfrm>
         </p:spPr>

--- a/presentation/Greedy_algorithm.pptx
+++ b/presentation/Greedy_algorithm.pptx
@@ -2,7 +2,7 @@
 <file path=ppt/presentation.xml><?xml version="1.0" encoding="utf-8"?>
 <p:presentation xmlns:a="http://schemas.openxmlformats.org/drawingml/2006/main" xmlns:r="http://schemas.openxmlformats.org/officeDocument/2006/relationships" xmlns:p="http://schemas.openxmlformats.org/presentationml/2006/main" saveSubsetFonts="1">
   <p:sldMasterIdLst>
-    <p:sldMasterId id="2147483648" r:id="rId1"/>
+    <p:sldMasterId id="2147483684" r:id="rId1"/>
   </p:sldMasterIdLst>
   <p:sldIdLst>
     <p:sldId id="256" r:id="rId2"/>
@@ -19,9 +19,9 @@
   <p:notesSz cx="6858000" cy="9144000"/>
   <p:defaultTextStyle>
     <a:defPPr>
-      <a:defRPr lang="ru-RU"/>
+      <a:defRPr lang="en-US"/>
     </a:defPPr>
-    <a:lvl1pPr marL="0" algn="l" defTabSz="914400" rtl="0" eaLnBrk="1" latinLnBrk="0" hangingPunct="1">
+    <a:lvl1pPr marL="0" algn="l" defTabSz="457200" rtl="0" eaLnBrk="1" latinLnBrk="0" hangingPunct="1">
       <a:defRPr sz="1800" kern="1200">
         <a:solidFill>
           <a:schemeClr val="tx1"/>
@@ -31,7 +31,7 @@
         <a:cs typeface="+mn-cs"/>
       </a:defRPr>
     </a:lvl1pPr>
-    <a:lvl2pPr marL="457200" algn="l" defTabSz="914400" rtl="0" eaLnBrk="1" latinLnBrk="0" hangingPunct="1">
+    <a:lvl2pPr marL="457200" algn="l" defTabSz="457200" rtl="0" eaLnBrk="1" latinLnBrk="0" hangingPunct="1">
       <a:defRPr sz="1800" kern="1200">
         <a:solidFill>
           <a:schemeClr val="tx1"/>
@@ -41,7 +41,7 @@
         <a:cs typeface="+mn-cs"/>
       </a:defRPr>
     </a:lvl2pPr>
-    <a:lvl3pPr marL="914400" algn="l" defTabSz="914400" rtl="0" eaLnBrk="1" latinLnBrk="0" hangingPunct="1">
+    <a:lvl3pPr marL="914400" algn="l" defTabSz="457200" rtl="0" eaLnBrk="1" latinLnBrk="0" hangingPunct="1">
       <a:defRPr sz="1800" kern="1200">
         <a:solidFill>
           <a:schemeClr val="tx1"/>
@@ -51,7 +51,7 @@
         <a:cs typeface="+mn-cs"/>
       </a:defRPr>
     </a:lvl3pPr>
-    <a:lvl4pPr marL="1371600" algn="l" defTabSz="914400" rtl="0" eaLnBrk="1" latinLnBrk="0" hangingPunct="1">
+    <a:lvl4pPr marL="1371600" algn="l" defTabSz="457200" rtl="0" eaLnBrk="1" latinLnBrk="0" hangingPunct="1">
       <a:defRPr sz="1800" kern="1200">
         <a:solidFill>
           <a:schemeClr val="tx1"/>
@@ -61,7 +61,7 @@
         <a:cs typeface="+mn-cs"/>
       </a:defRPr>
     </a:lvl4pPr>
-    <a:lvl5pPr marL="1828800" algn="l" defTabSz="914400" rtl="0" eaLnBrk="1" latinLnBrk="0" hangingPunct="1">
+    <a:lvl5pPr marL="1828800" algn="l" defTabSz="457200" rtl="0" eaLnBrk="1" latinLnBrk="0" hangingPunct="1">
       <a:defRPr sz="1800" kern="1200">
         <a:solidFill>
           <a:schemeClr val="tx1"/>
@@ -71,7 +71,7 @@
         <a:cs typeface="+mn-cs"/>
       </a:defRPr>
     </a:lvl5pPr>
-    <a:lvl6pPr marL="2286000" algn="l" defTabSz="914400" rtl="0" eaLnBrk="1" latinLnBrk="0" hangingPunct="1">
+    <a:lvl6pPr marL="2286000" algn="l" defTabSz="457200" rtl="0" eaLnBrk="1" latinLnBrk="0" hangingPunct="1">
       <a:defRPr sz="1800" kern="1200">
         <a:solidFill>
           <a:schemeClr val="tx1"/>
@@ -81,7 +81,7 @@
         <a:cs typeface="+mn-cs"/>
       </a:defRPr>
     </a:lvl6pPr>
-    <a:lvl7pPr marL="2743200" algn="l" defTabSz="914400" rtl="0" eaLnBrk="1" latinLnBrk="0" hangingPunct="1">
+    <a:lvl7pPr marL="2743200" algn="l" defTabSz="457200" rtl="0" eaLnBrk="1" latinLnBrk="0" hangingPunct="1">
       <a:defRPr sz="1800" kern="1200">
         <a:solidFill>
           <a:schemeClr val="tx1"/>
@@ -91,7 +91,7 @@
         <a:cs typeface="+mn-cs"/>
       </a:defRPr>
     </a:lvl7pPr>
-    <a:lvl8pPr marL="3200400" algn="l" defTabSz="914400" rtl="0" eaLnBrk="1" latinLnBrk="0" hangingPunct="1">
+    <a:lvl8pPr marL="3200400" algn="l" defTabSz="457200" rtl="0" eaLnBrk="1" latinLnBrk="0" hangingPunct="1">
       <a:defRPr sz="1800" kern="1200">
         <a:solidFill>
           <a:schemeClr val="tx1"/>
@@ -101,7 +101,7 @@
         <a:cs typeface="+mn-cs"/>
       </a:defRPr>
     </a:lvl8pPr>
-    <a:lvl9pPr marL="3657600" algn="l" defTabSz="914400" rtl="0" eaLnBrk="1" latinLnBrk="0" hangingPunct="1">
+    <a:lvl9pPr marL="3657600" algn="l" defTabSz="457200" rtl="0" eaLnBrk="1" latinLnBrk="0" hangingPunct="1">
       <a:defRPr sz="1800" kern="1200">
         <a:solidFill>
           <a:schemeClr val="tx1"/>
@@ -121,7 +121,7 @@
 </file>
 
 <file path=ppt/slideLayouts/slideLayout1.xml><?xml version="1.0" encoding="utf-8"?>
-<p:sldLayout xmlns:a="http://schemas.openxmlformats.org/drawingml/2006/main" xmlns:r="http://schemas.openxmlformats.org/officeDocument/2006/relationships" xmlns:p="http://schemas.openxmlformats.org/presentationml/2006/main" type="title" preserve="1">
+<p:sldLayout xmlns:a="http://schemas.openxmlformats.org/drawingml/2006/main" xmlns:r="http://schemas.openxmlformats.org/officeDocument/2006/relationships" xmlns:p="http://schemas.openxmlformats.org/presentationml/2006/main" showMasterSp="0" type="title" preserve="1">
   <p:cSld name="Титульный слайд">
     <p:spTree>
       <p:nvGrpSpPr>
@@ -139,31 +139,115 @@
       </p:grpSpPr>
       <p:sp>
         <p:nvSpPr>
-          <p:cNvPr id="2" name="Заголовок 1">
-            <a:extLst>
-              <a:ext uri="{FF2B5EF4-FFF2-40B4-BE49-F238E27FC236}">
-                <a16:creationId xmlns:a16="http://schemas.microsoft.com/office/drawing/2014/main" id="{D50C7F3A-65E4-243D-E545-1125278C2560}"/>
-              </a:ext>
-            </a:extLst>
-          </p:cNvPr>
-          <p:cNvSpPr>
-            <a:spLocks noGrp="1"/>
-          </p:cNvSpPr>
-          <p:nvPr>
-            <p:ph type="ctrTitle"/>
-          </p:nvPr>
+          <p:cNvPr id="7" name="Rectangle 6"/>
+          <p:cNvSpPr/>
+          <p:nvPr/>
         </p:nvSpPr>
         <p:spPr>
           <a:xfrm>
-            <a:off x="1524000" y="1122363"/>
-            <a:ext cx="9144000" cy="2387600"/>
+            <a:off x="3175" y="6400800"/>
+            <a:ext cx="12188825" cy="457200"/>
+          </a:xfrm>
+          <a:prstGeom prst="rect">
+            <a:avLst/>
+          </a:prstGeom>
+          <a:solidFill>
+            <a:schemeClr val="accent4">
+              <a:lumMod val="75000"/>
+            </a:schemeClr>
+          </a:solidFill>
+          <a:ln>
+            <a:noFill/>
+          </a:ln>
+        </p:spPr>
+        <p:style>
+          <a:lnRef idx="2">
+            <a:schemeClr val="accent1">
+              <a:shade val="50000"/>
+            </a:schemeClr>
+          </a:lnRef>
+          <a:fillRef idx="1">
+            <a:schemeClr val="accent1"/>
+          </a:fillRef>
+          <a:effectRef idx="0">
+            <a:schemeClr val="accent1"/>
+          </a:effectRef>
+          <a:fontRef idx="minor">
+            <a:schemeClr val="lt1"/>
+          </a:fontRef>
+        </p:style>
+      </p:sp>
+      <p:sp>
+        <p:nvSpPr>
+          <p:cNvPr id="8" name="Rectangle 7"/>
+          <p:cNvSpPr/>
+          <p:nvPr/>
+        </p:nvSpPr>
+        <p:spPr>
+          <a:xfrm>
+            <a:off x="15" y="6334316"/>
+            <a:ext cx="12188825" cy="64008"/>
+          </a:xfrm>
+          <a:prstGeom prst="rect">
+            <a:avLst/>
+          </a:prstGeom>
+          <a:solidFill>
+            <a:schemeClr val="accent4"/>
+          </a:solidFill>
+          <a:ln>
+            <a:noFill/>
+          </a:ln>
+        </p:spPr>
+        <p:style>
+          <a:lnRef idx="2">
+            <a:schemeClr val="accent1">
+              <a:shade val="50000"/>
+            </a:schemeClr>
+          </a:lnRef>
+          <a:fillRef idx="1">
+            <a:schemeClr val="accent1"/>
+          </a:fillRef>
+          <a:effectRef idx="0">
+            <a:schemeClr val="accent1"/>
+          </a:effectRef>
+          <a:fontRef idx="minor">
+            <a:schemeClr val="lt1"/>
+          </a:fontRef>
+        </p:style>
+      </p:sp>
+      <p:sp>
+        <p:nvSpPr>
+          <p:cNvPr id="2" name="Title 1"/>
+          <p:cNvSpPr>
+            <a:spLocks noGrp="1"/>
+          </p:cNvSpPr>
+          <p:nvPr>
+            <p:ph type="ctrTitle"/>
+          </p:nvPr>
+        </p:nvSpPr>
+        <p:spPr>
+          <a:xfrm>
+            <a:off x="1097280" y="758952"/>
+            <a:ext cx="10058400" cy="3566160"/>
           </a:xfrm>
         </p:spPr>
         <p:txBody>
-          <a:bodyPr anchor="b"/>
+          <a:bodyPr anchor="b">
+            <a:normAutofit/>
+          </a:bodyPr>
           <a:lstStyle>
-            <a:lvl1pPr algn="ctr">
-              <a:defRPr sz="6000"/>
+            <a:lvl1pPr algn="l">
+              <a:lnSpc>
+                <a:spcPct val="85000"/>
+              </a:lnSpc>
+              <a:defRPr sz="8000" spc="-50" baseline="0">
+                <a:solidFill>
+                  <a:schemeClr val="tx1">
+                    <a:lumMod val="85000"/>
+                    <a:lumOff val="15000"/>
+                  </a:schemeClr>
+                </a:solidFill>
+              </a:defRPr>
             </a:lvl1pPr>
           </a:lstStyle>
           <a:p>
@@ -171,18 +255,13 @@
               <a:rPr lang="ru-RU"/>
               <a:t>Образец заголовка</a:t>
             </a:r>
-          </a:p>
-        </p:txBody>
-      </p:sp>
-      <p:sp>
-        <p:nvSpPr>
-          <p:cNvPr id="3" name="Подзаголовок 2">
-            <a:extLst>
-              <a:ext uri="{FF2B5EF4-FFF2-40B4-BE49-F238E27FC236}">
-                <a16:creationId xmlns:a16="http://schemas.microsoft.com/office/drawing/2014/main" id="{E7E5519B-2B30-2552-2036-BCA14F28EAFD}"/>
-              </a:ext>
-            </a:extLst>
-          </p:cNvPr>
+            <a:endParaRPr lang="en-US" dirty="0"/>
+          </a:p>
+        </p:txBody>
+      </p:sp>
+      <p:sp>
+        <p:nvSpPr>
+          <p:cNvPr id="3" name="Subtitle 2"/>
           <p:cNvSpPr>
             <a:spLocks noGrp="1"/>
           </p:cNvSpPr>
@@ -192,48 +271,55 @@
         </p:nvSpPr>
         <p:spPr>
           <a:xfrm>
-            <a:off x="1524000" y="3602038"/>
-            <a:ext cx="9144000" cy="1655762"/>
+            <a:off x="1100051" y="4455621"/>
+            <a:ext cx="10058400" cy="1143000"/>
           </a:xfrm>
         </p:spPr>
         <p:txBody>
-          <a:bodyPr/>
+          <a:bodyPr lIns="91440" rIns="91440">
+            <a:normAutofit/>
+          </a:bodyPr>
           <a:lstStyle>
-            <a:lvl1pPr marL="0" indent="0" algn="ctr">
-              <a:buNone/>
-              <a:defRPr sz="2400"/>
+            <a:lvl1pPr marL="0" indent="0" algn="l">
+              <a:buNone/>
+              <a:defRPr sz="2400" cap="all" spc="200" baseline="0">
+                <a:solidFill>
+                  <a:schemeClr val="tx2"/>
+                </a:solidFill>
+                <a:latin typeface="+mj-lt"/>
+              </a:defRPr>
             </a:lvl1pPr>
             <a:lvl2pPr marL="457200" indent="0" algn="ctr">
               <a:buNone/>
-              <a:defRPr sz="2000"/>
+              <a:defRPr sz="2400"/>
             </a:lvl2pPr>
             <a:lvl3pPr marL="914400" indent="0" algn="ctr">
               <a:buNone/>
-              <a:defRPr sz="1800"/>
+              <a:defRPr sz="2400"/>
             </a:lvl3pPr>
             <a:lvl4pPr marL="1371600" indent="0" algn="ctr">
               <a:buNone/>
-              <a:defRPr sz="1600"/>
+              <a:defRPr sz="2000"/>
             </a:lvl4pPr>
             <a:lvl5pPr marL="1828800" indent="0" algn="ctr">
               <a:buNone/>
-              <a:defRPr sz="1600"/>
+              <a:defRPr sz="2000"/>
             </a:lvl5pPr>
             <a:lvl6pPr marL="2286000" indent="0" algn="ctr">
               <a:buNone/>
-              <a:defRPr sz="1600"/>
+              <a:defRPr sz="2000"/>
             </a:lvl6pPr>
             <a:lvl7pPr marL="2743200" indent="0" algn="ctr">
               <a:buNone/>
-              <a:defRPr sz="1600"/>
+              <a:defRPr sz="2000"/>
             </a:lvl7pPr>
             <a:lvl8pPr marL="3200400" indent="0" algn="ctr">
               <a:buNone/>
-              <a:defRPr sz="1600"/>
+              <a:defRPr sz="2000"/>
             </a:lvl8pPr>
             <a:lvl9pPr marL="3657600" indent="0" algn="ctr">
               <a:buNone/>
-              <a:defRPr sz="1600"/>
+              <a:defRPr sz="2000"/>
             </a:lvl9pPr>
           </a:lstStyle>
           <a:p>
@@ -241,18 +327,13 @@
               <a:rPr lang="ru-RU"/>
               <a:t>Образец подзаголовка</a:t>
             </a:r>
-          </a:p>
-        </p:txBody>
-      </p:sp>
-      <p:sp>
-        <p:nvSpPr>
-          <p:cNvPr id="4" name="Дата 3">
-            <a:extLst>
-              <a:ext uri="{FF2B5EF4-FFF2-40B4-BE49-F238E27FC236}">
-                <a16:creationId xmlns:a16="http://schemas.microsoft.com/office/drawing/2014/main" id="{73038478-B61E-2548-DA10-54A0DAA76F96}"/>
-              </a:ext>
-            </a:extLst>
-          </p:cNvPr>
+            <a:endParaRPr lang="en-US" dirty="0"/>
+          </a:p>
+        </p:txBody>
+      </p:sp>
+      <p:sp>
+        <p:nvSpPr>
+          <p:cNvPr id="4" name="Date Placeholder 3"/>
           <p:cNvSpPr>
             <a:spLocks noGrp="1"/>
           </p:cNvSpPr>
@@ -275,13 +356,7 @@
       </p:sp>
       <p:sp>
         <p:nvSpPr>
-          <p:cNvPr id="5" name="Нижний колонтитул 4">
-            <a:extLst>
-              <a:ext uri="{FF2B5EF4-FFF2-40B4-BE49-F238E27FC236}">
-                <a16:creationId xmlns:a16="http://schemas.microsoft.com/office/drawing/2014/main" id="{D45116DC-761B-230C-2E3F-788F1148363B}"/>
-              </a:ext>
-            </a:extLst>
-          </p:cNvPr>
+          <p:cNvPr id="5" name="Footer Placeholder 4"/>
           <p:cNvSpPr>
             <a:spLocks noGrp="1"/>
           </p:cNvSpPr>
@@ -300,13 +375,7 @@
       </p:sp>
       <p:sp>
         <p:nvSpPr>
-          <p:cNvPr id="6" name="Номер слайда 5">
-            <a:extLst>
-              <a:ext uri="{FF2B5EF4-FFF2-40B4-BE49-F238E27FC236}">
-                <a16:creationId xmlns:a16="http://schemas.microsoft.com/office/drawing/2014/main" id="{333BFA15-3C66-EB89-DF7B-92747BB72BB5}"/>
-              </a:ext>
-            </a:extLst>
-          </p:cNvPr>
+          <p:cNvPr id="6" name="Slide Number Placeholder 5"/>
           <p:cNvSpPr>
             <a:spLocks noGrp="1"/>
           </p:cNvSpPr>
@@ -327,10 +396,48 @@
           </a:p>
         </p:txBody>
       </p:sp>
+      <p:cxnSp>
+        <p:nvCxnSpPr>
+          <p:cNvPr id="9" name="Straight Connector 8"/>
+          <p:cNvCxnSpPr/>
+          <p:nvPr/>
+        </p:nvCxnSpPr>
+        <p:spPr>
+          <a:xfrm>
+            <a:off x="1207658" y="4343400"/>
+            <a:ext cx="9875520" cy="0"/>
+          </a:xfrm>
+          <a:prstGeom prst="line">
+            <a:avLst/>
+          </a:prstGeom>
+          <a:ln w="6350">
+            <a:solidFill>
+              <a:schemeClr val="tx1">
+                <a:lumMod val="50000"/>
+                <a:lumOff val="50000"/>
+              </a:schemeClr>
+            </a:solidFill>
+          </a:ln>
+        </p:spPr>
+        <p:style>
+          <a:lnRef idx="1">
+            <a:schemeClr val="accent1"/>
+          </a:lnRef>
+          <a:fillRef idx="0">
+            <a:schemeClr val="accent1"/>
+          </a:fillRef>
+          <a:effectRef idx="0">
+            <a:schemeClr val="accent1"/>
+          </a:effectRef>
+          <a:fontRef idx="minor">
+            <a:schemeClr val="tx1"/>
+          </a:fontRef>
+        </p:style>
+      </p:cxnSp>
     </p:spTree>
     <p:extLst>
       <p:ext uri="{BB962C8B-B14F-4D97-AF65-F5344CB8AC3E}">
-        <p14:creationId xmlns:p14="http://schemas.microsoft.com/office/powerpoint/2010/main" val="4029975845"/>
+        <p14:creationId xmlns:p14="http://schemas.microsoft.com/office/powerpoint/2010/main" val="4222632764"/>
       </p:ext>
     </p:extLst>
   </p:cSld>
@@ -359,13 +466,7 @@
       </p:grpSpPr>
       <p:sp>
         <p:nvSpPr>
-          <p:cNvPr id="2" name="Заголовок 1">
-            <a:extLst>
-              <a:ext uri="{FF2B5EF4-FFF2-40B4-BE49-F238E27FC236}">
-                <a16:creationId xmlns:a16="http://schemas.microsoft.com/office/drawing/2014/main" id="{40A968C1-E283-3EF8-1307-A643B95D2B3D}"/>
-              </a:ext>
-            </a:extLst>
-          </p:cNvPr>
+          <p:cNvPr id="2" name="Title 1"/>
           <p:cNvSpPr>
             <a:spLocks noGrp="1"/>
           </p:cNvSpPr>
@@ -382,18 +483,13 @@
               <a:rPr lang="ru-RU"/>
               <a:t>Образец заголовка</a:t>
             </a:r>
-          </a:p>
-        </p:txBody>
-      </p:sp>
-      <p:sp>
-        <p:nvSpPr>
-          <p:cNvPr id="3" name="Вертикальный текст 2">
-            <a:extLst>
-              <a:ext uri="{FF2B5EF4-FFF2-40B4-BE49-F238E27FC236}">
-                <a16:creationId xmlns:a16="http://schemas.microsoft.com/office/drawing/2014/main" id="{7D87C28E-6AFE-457E-AA7F-679C2765316C}"/>
-              </a:ext>
-            </a:extLst>
-          </p:cNvPr>
+            <a:endParaRPr lang="en-US" dirty="0"/>
+          </a:p>
+        </p:txBody>
+      </p:sp>
+      <p:sp>
+        <p:nvSpPr>
+          <p:cNvPr id="3" name="Vertical Text Placeholder 2"/>
           <p:cNvSpPr>
             <a:spLocks noGrp="1"/>
           </p:cNvSpPr>
@@ -403,7 +499,7 @@
         </p:nvSpPr>
         <p:spPr/>
         <p:txBody>
-          <a:bodyPr vert="eaVert"/>
+          <a:bodyPr vert="eaVert" lIns="45720" tIns="0" rIns="45720" bIns="0"/>
           <a:lstStyle/>
           <a:p>
             <a:pPr lvl="0"/>
@@ -439,18 +535,13 @@
               <a:rPr lang="ru-RU"/>
               <a:t>Пятый уровень</a:t>
             </a:r>
-          </a:p>
-        </p:txBody>
-      </p:sp>
-      <p:sp>
-        <p:nvSpPr>
-          <p:cNvPr id="4" name="Дата 3">
-            <a:extLst>
-              <a:ext uri="{FF2B5EF4-FFF2-40B4-BE49-F238E27FC236}">
-                <a16:creationId xmlns:a16="http://schemas.microsoft.com/office/drawing/2014/main" id="{D066708E-6B7E-F0E8-F378-10C2C84A5BA5}"/>
-              </a:ext>
-            </a:extLst>
-          </p:cNvPr>
+            <a:endParaRPr lang="en-US" dirty="0"/>
+          </a:p>
+        </p:txBody>
+      </p:sp>
+      <p:sp>
+        <p:nvSpPr>
+          <p:cNvPr id="4" name="Date Placeholder 3"/>
           <p:cNvSpPr>
             <a:spLocks noGrp="1"/>
           </p:cNvSpPr>
@@ -473,13 +564,7 @@
       </p:sp>
       <p:sp>
         <p:nvSpPr>
-          <p:cNvPr id="5" name="Нижний колонтитул 4">
-            <a:extLst>
-              <a:ext uri="{FF2B5EF4-FFF2-40B4-BE49-F238E27FC236}">
-                <a16:creationId xmlns:a16="http://schemas.microsoft.com/office/drawing/2014/main" id="{2832A3D8-7BEC-3F4C-0A8F-83935DDF01C7}"/>
-              </a:ext>
-            </a:extLst>
-          </p:cNvPr>
+          <p:cNvPr id="5" name="Footer Placeholder 4"/>
           <p:cNvSpPr>
             <a:spLocks noGrp="1"/>
           </p:cNvSpPr>
@@ -498,13 +583,7 @@
       </p:sp>
       <p:sp>
         <p:nvSpPr>
-          <p:cNvPr id="6" name="Номер слайда 5">
-            <a:extLst>
-              <a:ext uri="{FF2B5EF4-FFF2-40B4-BE49-F238E27FC236}">
-                <a16:creationId xmlns:a16="http://schemas.microsoft.com/office/drawing/2014/main" id="{BB570BF3-3778-0713-F20E-3ADFA94D790C}"/>
-              </a:ext>
-            </a:extLst>
-          </p:cNvPr>
+          <p:cNvPr id="6" name="Slide Number Placeholder 5"/>
           <p:cNvSpPr>
             <a:spLocks noGrp="1"/>
           </p:cNvSpPr>
@@ -528,7 +607,7 @@
     </p:spTree>
     <p:extLst>
       <p:ext uri="{BB962C8B-B14F-4D97-AF65-F5344CB8AC3E}">
-        <p14:creationId xmlns:p14="http://schemas.microsoft.com/office/powerpoint/2010/main" val="324496804"/>
+        <p14:creationId xmlns:p14="http://schemas.microsoft.com/office/powerpoint/2010/main" val="1047140664"/>
       </p:ext>
     </p:extLst>
   </p:cSld>
@@ -539,7 +618,7 @@
 </file>
 
 <file path=ppt/slideLayouts/slideLayout11.xml><?xml version="1.0" encoding="utf-8"?>
-<p:sldLayout xmlns:a="http://schemas.openxmlformats.org/drawingml/2006/main" xmlns:r="http://schemas.openxmlformats.org/officeDocument/2006/relationships" xmlns:p="http://schemas.openxmlformats.org/presentationml/2006/main" type="vertTitleAndTx" preserve="1">
+<p:sldLayout xmlns:a="http://schemas.openxmlformats.org/drawingml/2006/main" xmlns:r="http://schemas.openxmlformats.org/officeDocument/2006/relationships" xmlns:p="http://schemas.openxmlformats.org/presentationml/2006/main" showMasterSp="0" type="vertTitleAndTx" preserve="1">
   <p:cSld name="Вертикальный заголовок и текст">
     <p:spTree>
       <p:nvGrpSpPr>
@@ -557,24 +636,96 @@
       </p:grpSpPr>
       <p:sp>
         <p:nvSpPr>
-          <p:cNvPr id="2" name="Вертикальный заголовок 1">
-            <a:extLst>
-              <a:ext uri="{FF2B5EF4-FFF2-40B4-BE49-F238E27FC236}">
-                <a16:creationId xmlns:a16="http://schemas.microsoft.com/office/drawing/2014/main" id="{7C243061-F5C9-A705-96AB-B002911A2923}"/>
-              </a:ext>
-            </a:extLst>
-          </p:cNvPr>
-          <p:cNvSpPr>
-            <a:spLocks noGrp="1"/>
-          </p:cNvSpPr>
-          <p:nvPr>
-            <p:ph type="title" orient="vert"/>
-          </p:nvPr>
+          <p:cNvPr id="7" name="Rectangle 6"/>
+          <p:cNvSpPr/>
+          <p:nvPr/>
         </p:nvSpPr>
         <p:spPr>
           <a:xfrm>
-            <a:off x="8724900" y="365125"/>
-            <a:ext cx="2628900" cy="5811838"/>
+            <a:off x="3175" y="6400800"/>
+            <a:ext cx="12188825" cy="457200"/>
+          </a:xfrm>
+          <a:prstGeom prst="rect">
+            <a:avLst/>
+          </a:prstGeom>
+          <a:solidFill>
+            <a:schemeClr val="accent4">
+              <a:lumMod val="75000"/>
+            </a:schemeClr>
+          </a:solidFill>
+          <a:ln>
+            <a:noFill/>
+          </a:ln>
+        </p:spPr>
+        <p:style>
+          <a:lnRef idx="2">
+            <a:schemeClr val="accent1">
+              <a:shade val="50000"/>
+            </a:schemeClr>
+          </a:lnRef>
+          <a:fillRef idx="1">
+            <a:schemeClr val="accent1"/>
+          </a:fillRef>
+          <a:effectRef idx="0">
+            <a:schemeClr val="accent1"/>
+          </a:effectRef>
+          <a:fontRef idx="minor">
+            <a:schemeClr val="lt1"/>
+          </a:fontRef>
+        </p:style>
+      </p:sp>
+      <p:sp>
+        <p:nvSpPr>
+          <p:cNvPr id="8" name="Rectangle 7"/>
+          <p:cNvSpPr/>
+          <p:nvPr/>
+        </p:nvSpPr>
+        <p:spPr>
+          <a:xfrm>
+            <a:off x="15" y="6334316"/>
+            <a:ext cx="12188825" cy="64008"/>
+          </a:xfrm>
+          <a:prstGeom prst="rect">
+            <a:avLst/>
+          </a:prstGeom>
+          <a:solidFill>
+            <a:schemeClr val="accent4"/>
+          </a:solidFill>
+          <a:ln>
+            <a:noFill/>
+          </a:ln>
+        </p:spPr>
+        <p:style>
+          <a:lnRef idx="2">
+            <a:schemeClr val="accent1">
+              <a:shade val="50000"/>
+            </a:schemeClr>
+          </a:lnRef>
+          <a:fillRef idx="1">
+            <a:schemeClr val="accent1"/>
+          </a:fillRef>
+          <a:effectRef idx="0">
+            <a:schemeClr val="accent1"/>
+          </a:effectRef>
+          <a:fontRef idx="minor">
+            <a:schemeClr val="lt1"/>
+          </a:fontRef>
+        </p:style>
+      </p:sp>
+      <p:sp>
+        <p:nvSpPr>
+          <p:cNvPr id="2" name="Vertical Title 1"/>
+          <p:cNvSpPr>
+            <a:spLocks noGrp="1"/>
+          </p:cNvSpPr>
+          <p:nvPr>
+            <p:ph type="title" orient="vert"/>
+          </p:nvPr>
+        </p:nvSpPr>
+        <p:spPr>
+          <a:xfrm>
+            <a:off x="8724900" y="412302"/>
+            <a:ext cx="2628900" cy="5759898"/>
           </a:xfrm>
         </p:spPr>
         <p:txBody>
@@ -585,18 +736,13 @@
               <a:rPr lang="ru-RU"/>
               <a:t>Образец заголовка</a:t>
             </a:r>
-          </a:p>
-        </p:txBody>
-      </p:sp>
-      <p:sp>
-        <p:nvSpPr>
-          <p:cNvPr id="3" name="Вертикальный текст 2">
-            <a:extLst>
-              <a:ext uri="{FF2B5EF4-FFF2-40B4-BE49-F238E27FC236}">
-                <a16:creationId xmlns:a16="http://schemas.microsoft.com/office/drawing/2014/main" id="{D19078F2-029E-A5E1-52A4-709D70AC69DB}"/>
-              </a:ext>
-            </a:extLst>
-          </p:cNvPr>
+            <a:endParaRPr lang="en-US" dirty="0"/>
+          </a:p>
+        </p:txBody>
+      </p:sp>
+      <p:sp>
+        <p:nvSpPr>
+          <p:cNvPr id="3" name="Vertical Text Placeholder 2"/>
           <p:cNvSpPr>
             <a:spLocks noGrp="1"/>
           </p:cNvSpPr>
@@ -606,12 +752,12 @@
         </p:nvSpPr>
         <p:spPr>
           <a:xfrm>
-            <a:off x="838200" y="365125"/>
-            <a:ext cx="7734300" cy="5811838"/>
+            <a:off x="838200" y="412302"/>
+            <a:ext cx="7734300" cy="5759898"/>
           </a:xfrm>
         </p:spPr>
         <p:txBody>
-          <a:bodyPr vert="eaVert"/>
+          <a:bodyPr vert="eaVert" lIns="45720" tIns="0" rIns="45720" bIns="0"/>
           <a:lstStyle/>
           <a:p>
             <a:pPr lvl="0"/>
@@ -647,18 +793,13 @@
               <a:rPr lang="ru-RU"/>
               <a:t>Пятый уровень</a:t>
             </a:r>
-          </a:p>
-        </p:txBody>
-      </p:sp>
-      <p:sp>
-        <p:nvSpPr>
-          <p:cNvPr id="4" name="Дата 3">
-            <a:extLst>
-              <a:ext uri="{FF2B5EF4-FFF2-40B4-BE49-F238E27FC236}">
-                <a16:creationId xmlns:a16="http://schemas.microsoft.com/office/drawing/2014/main" id="{5B53A651-762D-F5F2-7469-3C3DCC9FA293}"/>
-              </a:ext>
-            </a:extLst>
-          </p:cNvPr>
+            <a:endParaRPr lang="en-US" dirty="0"/>
+          </a:p>
+        </p:txBody>
+      </p:sp>
+      <p:sp>
+        <p:nvSpPr>
+          <p:cNvPr id="4" name="Date Placeholder 3"/>
           <p:cNvSpPr>
             <a:spLocks noGrp="1"/>
           </p:cNvSpPr>
@@ -681,13 +822,7 @@
       </p:sp>
       <p:sp>
         <p:nvSpPr>
-          <p:cNvPr id="5" name="Нижний колонтитул 4">
-            <a:extLst>
-              <a:ext uri="{FF2B5EF4-FFF2-40B4-BE49-F238E27FC236}">
-                <a16:creationId xmlns:a16="http://schemas.microsoft.com/office/drawing/2014/main" id="{E320298A-1AE0-EBDD-A3FF-1A567EBCF4E0}"/>
-              </a:ext>
-            </a:extLst>
-          </p:cNvPr>
+          <p:cNvPr id="5" name="Footer Placeholder 4"/>
           <p:cNvSpPr>
             <a:spLocks noGrp="1"/>
           </p:cNvSpPr>
@@ -706,13 +841,7 @@
       </p:sp>
       <p:sp>
         <p:nvSpPr>
-          <p:cNvPr id="6" name="Номер слайда 5">
-            <a:extLst>
-              <a:ext uri="{FF2B5EF4-FFF2-40B4-BE49-F238E27FC236}">
-                <a16:creationId xmlns:a16="http://schemas.microsoft.com/office/drawing/2014/main" id="{DDB33353-A749-6B36-69EA-66B7A9E3EDF8}"/>
-              </a:ext>
-            </a:extLst>
-          </p:cNvPr>
+          <p:cNvPr id="6" name="Slide Number Placeholder 5"/>
           <p:cNvSpPr>
             <a:spLocks noGrp="1"/>
           </p:cNvSpPr>
@@ -736,7 +865,7 @@
     </p:spTree>
     <p:extLst>
       <p:ext uri="{BB962C8B-B14F-4D97-AF65-F5344CB8AC3E}">
-        <p14:creationId xmlns:p14="http://schemas.microsoft.com/office/powerpoint/2010/main" val="358830333"/>
+        <p14:creationId xmlns:p14="http://schemas.microsoft.com/office/powerpoint/2010/main" val="3756919718"/>
       </p:ext>
     </p:extLst>
   </p:cSld>
@@ -765,13 +894,7 @@
       </p:grpSpPr>
       <p:sp>
         <p:nvSpPr>
-          <p:cNvPr id="2" name="Заголовок 1">
-            <a:extLst>
-              <a:ext uri="{FF2B5EF4-FFF2-40B4-BE49-F238E27FC236}">
-                <a16:creationId xmlns:a16="http://schemas.microsoft.com/office/drawing/2014/main" id="{D5B13E37-4238-A8A1-C5DE-E3B3F75E2DC3}"/>
-              </a:ext>
-            </a:extLst>
-          </p:cNvPr>
+          <p:cNvPr id="2" name="Title 1"/>
           <p:cNvSpPr>
             <a:spLocks noGrp="1"/>
           </p:cNvSpPr>
@@ -788,18 +911,13 @@
               <a:rPr lang="ru-RU"/>
               <a:t>Образец заголовка</a:t>
             </a:r>
-          </a:p>
-        </p:txBody>
-      </p:sp>
-      <p:sp>
-        <p:nvSpPr>
-          <p:cNvPr id="3" name="Объект 2">
-            <a:extLst>
-              <a:ext uri="{FF2B5EF4-FFF2-40B4-BE49-F238E27FC236}">
-                <a16:creationId xmlns:a16="http://schemas.microsoft.com/office/drawing/2014/main" id="{D859A4B9-D95A-2515-2340-A92C41233F9C}"/>
-              </a:ext>
-            </a:extLst>
-          </p:cNvPr>
+            <a:endParaRPr lang="en-US" dirty="0"/>
+          </a:p>
+        </p:txBody>
+      </p:sp>
+      <p:sp>
+        <p:nvSpPr>
+          <p:cNvPr id="3" name="Content Placeholder 2"/>
           <p:cNvSpPr>
             <a:spLocks noGrp="1"/>
           </p:cNvSpPr>
@@ -845,18 +963,13 @@
               <a:rPr lang="ru-RU"/>
               <a:t>Пятый уровень</a:t>
             </a:r>
-          </a:p>
-        </p:txBody>
-      </p:sp>
-      <p:sp>
-        <p:nvSpPr>
-          <p:cNvPr id="4" name="Дата 3">
-            <a:extLst>
-              <a:ext uri="{FF2B5EF4-FFF2-40B4-BE49-F238E27FC236}">
-                <a16:creationId xmlns:a16="http://schemas.microsoft.com/office/drawing/2014/main" id="{C128E5A2-FB74-3DC6-6A38-14530A09C218}"/>
-              </a:ext>
-            </a:extLst>
-          </p:cNvPr>
+            <a:endParaRPr lang="en-US" dirty="0"/>
+          </a:p>
+        </p:txBody>
+      </p:sp>
+      <p:sp>
+        <p:nvSpPr>
+          <p:cNvPr id="4" name="Date Placeholder 3"/>
           <p:cNvSpPr>
             <a:spLocks noGrp="1"/>
           </p:cNvSpPr>
@@ -879,13 +992,7 @@
       </p:sp>
       <p:sp>
         <p:nvSpPr>
-          <p:cNvPr id="5" name="Нижний колонтитул 4">
-            <a:extLst>
-              <a:ext uri="{FF2B5EF4-FFF2-40B4-BE49-F238E27FC236}">
-                <a16:creationId xmlns:a16="http://schemas.microsoft.com/office/drawing/2014/main" id="{44A8BB70-9869-2347-EF2F-C75BFE5D471E}"/>
-              </a:ext>
-            </a:extLst>
-          </p:cNvPr>
+          <p:cNvPr id="5" name="Footer Placeholder 4"/>
           <p:cNvSpPr>
             <a:spLocks noGrp="1"/>
           </p:cNvSpPr>
@@ -904,13 +1011,7 @@
       </p:sp>
       <p:sp>
         <p:nvSpPr>
-          <p:cNvPr id="6" name="Номер слайда 5">
-            <a:extLst>
-              <a:ext uri="{FF2B5EF4-FFF2-40B4-BE49-F238E27FC236}">
-                <a16:creationId xmlns:a16="http://schemas.microsoft.com/office/drawing/2014/main" id="{499401D7-2F39-DE29-CA1B-BAB26721D9B7}"/>
-              </a:ext>
-            </a:extLst>
-          </p:cNvPr>
+          <p:cNvPr id="6" name="Slide Number Placeholder 5"/>
           <p:cNvSpPr>
             <a:spLocks noGrp="1"/>
           </p:cNvSpPr>
@@ -934,7 +1035,7 @@
     </p:spTree>
     <p:extLst>
       <p:ext uri="{BB962C8B-B14F-4D97-AF65-F5344CB8AC3E}">
-        <p14:creationId xmlns:p14="http://schemas.microsoft.com/office/powerpoint/2010/main" val="2000632662"/>
+        <p14:creationId xmlns:p14="http://schemas.microsoft.com/office/powerpoint/2010/main" val="1864041547"/>
       </p:ext>
     </p:extLst>
   </p:cSld>
@@ -945,7 +1046,7 @@
 </file>
 
 <file path=ppt/slideLayouts/slideLayout3.xml><?xml version="1.0" encoding="utf-8"?>
-<p:sldLayout xmlns:a="http://schemas.openxmlformats.org/drawingml/2006/main" xmlns:r="http://schemas.openxmlformats.org/officeDocument/2006/relationships" xmlns:p="http://schemas.openxmlformats.org/presentationml/2006/main" type="secHead" preserve="1">
+<p:sldLayout xmlns:a="http://schemas.openxmlformats.org/drawingml/2006/main" xmlns:r="http://schemas.openxmlformats.org/officeDocument/2006/relationships" xmlns:p="http://schemas.openxmlformats.org/presentationml/2006/main" showMasterSp="0" type="secHead" preserve="1">
   <p:cSld name="Заголовок раздела">
     <p:spTree>
       <p:nvGrpSpPr>
@@ -963,79 +1064,159 @@
       </p:grpSpPr>
       <p:sp>
         <p:nvSpPr>
-          <p:cNvPr id="2" name="Заголовок 1">
-            <a:extLst>
-              <a:ext uri="{FF2B5EF4-FFF2-40B4-BE49-F238E27FC236}">
-                <a16:creationId xmlns:a16="http://schemas.microsoft.com/office/drawing/2014/main" id="{7774BEA8-B229-EBB6-8858-4861879D0160}"/>
-              </a:ext>
-            </a:extLst>
-          </p:cNvPr>
-          <p:cNvSpPr>
-            <a:spLocks noGrp="1"/>
-          </p:cNvSpPr>
-          <p:nvPr>
-            <p:ph type="title"/>
-          </p:nvPr>
+          <p:cNvPr id="7" name="Rectangle 6"/>
+          <p:cNvSpPr/>
+          <p:nvPr/>
         </p:nvSpPr>
         <p:spPr>
           <a:xfrm>
-            <a:off x="831850" y="1709738"/>
-            <a:ext cx="10515600" cy="2852737"/>
+            <a:off x="3175" y="6400800"/>
+            <a:ext cx="12188825" cy="457200"/>
+          </a:xfrm>
+          <a:prstGeom prst="rect">
+            <a:avLst/>
+          </a:prstGeom>
+          <a:solidFill>
+            <a:schemeClr val="accent4">
+              <a:lumMod val="75000"/>
+            </a:schemeClr>
+          </a:solidFill>
+          <a:ln>
+            <a:noFill/>
+          </a:ln>
+        </p:spPr>
+        <p:style>
+          <a:lnRef idx="2">
+            <a:schemeClr val="accent1">
+              <a:shade val="50000"/>
+            </a:schemeClr>
+          </a:lnRef>
+          <a:fillRef idx="1">
+            <a:schemeClr val="accent1"/>
+          </a:fillRef>
+          <a:effectRef idx="0">
+            <a:schemeClr val="accent1"/>
+          </a:effectRef>
+          <a:fontRef idx="minor">
+            <a:schemeClr val="lt1"/>
+          </a:fontRef>
+        </p:style>
+      </p:sp>
+      <p:sp>
+        <p:nvSpPr>
+          <p:cNvPr id="8" name="Rectangle 7"/>
+          <p:cNvSpPr/>
+          <p:nvPr/>
+        </p:nvSpPr>
+        <p:spPr>
+          <a:xfrm>
+            <a:off x="15" y="6334316"/>
+            <a:ext cx="12188825" cy="64008"/>
+          </a:xfrm>
+          <a:prstGeom prst="rect">
+            <a:avLst/>
+          </a:prstGeom>
+          <a:solidFill>
+            <a:schemeClr val="accent4"/>
+          </a:solidFill>
+          <a:ln>
+            <a:noFill/>
+          </a:ln>
+        </p:spPr>
+        <p:style>
+          <a:lnRef idx="2">
+            <a:schemeClr val="accent1">
+              <a:shade val="50000"/>
+            </a:schemeClr>
+          </a:lnRef>
+          <a:fillRef idx="1">
+            <a:schemeClr val="accent1"/>
+          </a:fillRef>
+          <a:effectRef idx="0">
+            <a:schemeClr val="accent1"/>
+          </a:effectRef>
+          <a:fontRef idx="minor">
+            <a:schemeClr val="lt1"/>
+          </a:fontRef>
+        </p:style>
+      </p:sp>
+      <p:sp>
+        <p:nvSpPr>
+          <p:cNvPr id="2" name="Title 1"/>
+          <p:cNvSpPr>
+            <a:spLocks noGrp="1"/>
+          </p:cNvSpPr>
+          <p:nvPr>
+            <p:ph type="title"/>
+          </p:nvPr>
+        </p:nvSpPr>
+        <p:spPr>
+          <a:xfrm>
+            <a:off x="1097280" y="758952"/>
+            <a:ext cx="10058400" cy="3566160"/>
           </a:xfrm>
         </p:spPr>
         <p:txBody>
-          <a:bodyPr anchor="b"/>
+          <a:bodyPr anchor="b" anchorCtr="0">
+            <a:normAutofit/>
+          </a:bodyPr>
           <a:lstStyle>
             <a:lvl1pPr>
-              <a:defRPr sz="6000"/>
-            </a:lvl1pPr>
-          </a:lstStyle>
-          <a:p>
-            <a:r>
-              <a:rPr lang="ru-RU"/>
-              <a:t>Образец заголовка</a:t>
-            </a:r>
-          </a:p>
-        </p:txBody>
-      </p:sp>
-      <p:sp>
-        <p:nvSpPr>
-          <p:cNvPr id="3" name="Текст 2">
-            <a:extLst>
-              <a:ext uri="{FF2B5EF4-FFF2-40B4-BE49-F238E27FC236}">
-                <a16:creationId xmlns:a16="http://schemas.microsoft.com/office/drawing/2014/main" id="{CA3CF7BD-5489-D2CB-3C19-A36C5AEE2FD7}"/>
-              </a:ext>
-            </a:extLst>
-          </p:cNvPr>
-          <p:cNvSpPr>
-            <a:spLocks noGrp="1"/>
-          </p:cNvSpPr>
-          <p:nvPr>
-            <p:ph type="body" idx="1"/>
-          </p:nvPr>
-        </p:nvSpPr>
-        <p:spPr>
-          <a:xfrm>
-            <a:off x="831850" y="4589463"/>
-            <a:ext cx="10515600" cy="1500187"/>
-          </a:xfrm>
-        </p:spPr>
-        <p:txBody>
-          <a:bodyPr/>
-          <a:lstStyle>
-            <a:lvl1pPr marL="0" indent="0">
-              <a:buNone/>
-              <a:defRPr sz="2400">
+              <a:lnSpc>
+                <a:spcPct val="85000"/>
+              </a:lnSpc>
+              <a:defRPr sz="8000" b="0">
                 <a:solidFill>
                   <a:schemeClr val="tx1">
-                    <a:tint val="75000"/>
+                    <a:lumMod val="85000"/>
+                    <a:lumOff val="15000"/>
                   </a:schemeClr>
                 </a:solidFill>
               </a:defRPr>
             </a:lvl1pPr>
+          </a:lstStyle>
+          <a:p>
+            <a:r>
+              <a:rPr lang="ru-RU"/>
+              <a:t>Образец заголовка</a:t>
+            </a:r>
+            <a:endParaRPr lang="en-US" dirty="0"/>
+          </a:p>
+        </p:txBody>
+      </p:sp>
+      <p:sp>
+        <p:nvSpPr>
+          <p:cNvPr id="3" name="Text Placeholder 2"/>
+          <p:cNvSpPr>
+            <a:spLocks noGrp="1"/>
+          </p:cNvSpPr>
+          <p:nvPr>
+            <p:ph type="body" idx="1"/>
+          </p:nvPr>
+        </p:nvSpPr>
+        <p:spPr>
+          <a:xfrm>
+            <a:off x="1097280" y="4453128"/>
+            <a:ext cx="10058400" cy="1143000"/>
+          </a:xfrm>
+        </p:spPr>
+        <p:txBody>
+          <a:bodyPr lIns="91440" rIns="91440" anchor="t" anchorCtr="0">
+            <a:normAutofit/>
+          </a:bodyPr>
+          <a:lstStyle>
+            <a:lvl1pPr marL="0" indent="0">
+              <a:buNone/>
+              <a:defRPr sz="2400" cap="all" spc="200" baseline="0">
+                <a:solidFill>
+                  <a:schemeClr val="tx2"/>
+                </a:solidFill>
+                <a:latin typeface="+mj-lt"/>
+              </a:defRPr>
+            </a:lvl1pPr>
             <a:lvl2pPr marL="457200" indent="0">
               <a:buNone/>
-              <a:defRPr sz="2000">
+              <a:defRPr sz="1800">
                 <a:solidFill>
                   <a:schemeClr val="tx1">
                     <a:tint val="75000"/>
@@ -1045,7 +1226,7 @@
             </a:lvl2pPr>
             <a:lvl3pPr marL="914400" indent="0">
               <a:buNone/>
-              <a:defRPr sz="1800">
+              <a:defRPr sz="1600">
                 <a:solidFill>
                   <a:schemeClr val="tx1">
                     <a:tint val="75000"/>
@@ -1055,7 +1236,7 @@
             </a:lvl3pPr>
             <a:lvl4pPr marL="1371600" indent="0">
               <a:buNone/>
-              <a:defRPr sz="1600">
+              <a:defRPr sz="1400">
                 <a:solidFill>
                   <a:schemeClr val="tx1">
                     <a:tint val="75000"/>
@@ -1065,7 +1246,7 @@
             </a:lvl4pPr>
             <a:lvl5pPr marL="1828800" indent="0">
               <a:buNone/>
-              <a:defRPr sz="1600">
+              <a:defRPr sz="1400">
                 <a:solidFill>
                   <a:schemeClr val="tx1">
                     <a:tint val="75000"/>
@@ -1075,7 +1256,7 @@
             </a:lvl5pPr>
             <a:lvl6pPr marL="2286000" indent="0">
               <a:buNone/>
-              <a:defRPr sz="1600">
+              <a:defRPr sz="1400">
                 <a:solidFill>
                   <a:schemeClr val="tx1">
                     <a:tint val="75000"/>
@@ -1085,7 +1266,7 @@
             </a:lvl6pPr>
             <a:lvl7pPr marL="2743200" indent="0">
               <a:buNone/>
-              <a:defRPr sz="1600">
+              <a:defRPr sz="1400">
                 <a:solidFill>
                   <a:schemeClr val="tx1">
                     <a:tint val="75000"/>
@@ -1095,7 +1276,7 @@
             </a:lvl7pPr>
             <a:lvl8pPr marL="3200400" indent="0">
               <a:buNone/>
-              <a:defRPr sz="1600">
+              <a:defRPr sz="1400">
                 <a:solidFill>
                   <a:schemeClr val="tx1">
                     <a:tint val="75000"/>
@@ -1105,7 +1286,7 @@
             </a:lvl8pPr>
             <a:lvl9pPr marL="3657600" indent="0">
               <a:buNone/>
-              <a:defRPr sz="1600">
+              <a:defRPr sz="1400">
                 <a:solidFill>
                   <a:schemeClr val="tx1">
                     <a:tint val="75000"/>
@@ -1125,13 +1306,7 @@
       </p:sp>
       <p:sp>
         <p:nvSpPr>
-          <p:cNvPr id="4" name="Дата 3">
-            <a:extLst>
-              <a:ext uri="{FF2B5EF4-FFF2-40B4-BE49-F238E27FC236}">
-                <a16:creationId xmlns:a16="http://schemas.microsoft.com/office/drawing/2014/main" id="{AB6A9DE0-FE78-217A-D5FC-E55180AEF10B}"/>
-              </a:ext>
-            </a:extLst>
-          </p:cNvPr>
+          <p:cNvPr id="4" name="Date Placeholder 3"/>
           <p:cNvSpPr>
             <a:spLocks noGrp="1"/>
           </p:cNvSpPr>
@@ -1154,13 +1329,7 @@
       </p:sp>
       <p:sp>
         <p:nvSpPr>
-          <p:cNvPr id="5" name="Нижний колонтитул 4">
-            <a:extLst>
-              <a:ext uri="{FF2B5EF4-FFF2-40B4-BE49-F238E27FC236}">
-                <a16:creationId xmlns:a16="http://schemas.microsoft.com/office/drawing/2014/main" id="{624CA51A-2F14-5FD5-F93F-04FA5CBA77E6}"/>
-              </a:ext>
-            </a:extLst>
-          </p:cNvPr>
+          <p:cNvPr id="5" name="Footer Placeholder 4"/>
           <p:cNvSpPr>
             <a:spLocks noGrp="1"/>
           </p:cNvSpPr>
@@ -1179,13 +1348,7 @@
       </p:sp>
       <p:sp>
         <p:nvSpPr>
-          <p:cNvPr id="6" name="Номер слайда 5">
-            <a:extLst>
-              <a:ext uri="{FF2B5EF4-FFF2-40B4-BE49-F238E27FC236}">
-                <a16:creationId xmlns:a16="http://schemas.microsoft.com/office/drawing/2014/main" id="{28110CE7-3D12-24FD-928A-DC6BF7846430}"/>
-              </a:ext>
-            </a:extLst>
-          </p:cNvPr>
+          <p:cNvPr id="6" name="Slide Number Placeholder 5"/>
           <p:cNvSpPr>
             <a:spLocks noGrp="1"/>
           </p:cNvSpPr>
@@ -1206,10 +1369,48 @@
           </a:p>
         </p:txBody>
       </p:sp>
+      <p:cxnSp>
+        <p:nvCxnSpPr>
+          <p:cNvPr id="9" name="Straight Connector 8"/>
+          <p:cNvCxnSpPr/>
+          <p:nvPr/>
+        </p:nvCxnSpPr>
+        <p:spPr>
+          <a:xfrm>
+            <a:off x="1207658" y="4343400"/>
+            <a:ext cx="9875520" cy="0"/>
+          </a:xfrm>
+          <a:prstGeom prst="line">
+            <a:avLst/>
+          </a:prstGeom>
+          <a:ln w="6350">
+            <a:solidFill>
+              <a:schemeClr val="tx1">
+                <a:lumMod val="50000"/>
+                <a:lumOff val="50000"/>
+              </a:schemeClr>
+            </a:solidFill>
+          </a:ln>
+        </p:spPr>
+        <p:style>
+          <a:lnRef idx="1">
+            <a:schemeClr val="accent1"/>
+          </a:lnRef>
+          <a:fillRef idx="0">
+            <a:schemeClr val="accent1"/>
+          </a:fillRef>
+          <a:effectRef idx="0">
+            <a:schemeClr val="accent1"/>
+          </a:effectRef>
+          <a:fontRef idx="minor">
+            <a:schemeClr val="tx1"/>
+          </a:fontRef>
+        </p:style>
+      </p:cxnSp>
     </p:spTree>
     <p:extLst>
       <p:ext uri="{BB962C8B-B14F-4D97-AF65-F5344CB8AC3E}">
-        <p14:creationId xmlns:p14="http://schemas.microsoft.com/office/powerpoint/2010/main" val="1333473290"/>
+        <p14:creationId xmlns:p14="http://schemas.microsoft.com/office/powerpoint/2010/main" val="3478146229"/>
       </p:ext>
     </p:extLst>
   </p:cSld>
@@ -1238,114 +1439,46 @@
       </p:grpSpPr>
       <p:sp>
         <p:nvSpPr>
-          <p:cNvPr id="2" name="Заголовок 1">
-            <a:extLst>
-              <a:ext uri="{FF2B5EF4-FFF2-40B4-BE49-F238E27FC236}">
-                <a16:creationId xmlns:a16="http://schemas.microsoft.com/office/drawing/2014/main" id="{9B34D349-F8E5-BD7E-11F8-17FB11977862}"/>
-              </a:ext>
-            </a:extLst>
-          </p:cNvPr>
+          <p:cNvPr id="8" name="Title 7"/>
           <p:cNvSpPr>
             <a:spLocks noGrp="1"/>
           </p:cNvSpPr>
           <p:nvPr>
             <p:ph type="title"/>
-          </p:nvPr>
-        </p:nvSpPr>
-        <p:spPr/>
-        <p:txBody>
-          <a:bodyPr/>
-          <a:lstStyle/>
-          <a:p>
-            <a:r>
-              <a:rPr lang="ru-RU"/>
-              <a:t>Образец заголовка</a:t>
-            </a:r>
-          </a:p>
-        </p:txBody>
-      </p:sp>
-      <p:sp>
-        <p:nvSpPr>
-          <p:cNvPr id="3" name="Объект 2">
-            <a:extLst>
-              <a:ext uri="{FF2B5EF4-FFF2-40B4-BE49-F238E27FC236}">
-                <a16:creationId xmlns:a16="http://schemas.microsoft.com/office/drawing/2014/main" id="{E4C8455B-7B75-11F3-5BCD-0BBB7C5D8E66}"/>
-              </a:ext>
-            </a:extLst>
-          </p:cNvPr>
-          <p:cNvSpPr>
-            <a:spLocks noGrp="1"/>
-          </p:cNvSpPr>
-          <p:nvPr>
-            <p:ph sz="half" idx="1"/>
           </p:nvPr>
         </p:nvSpPr>
         <p:spPr>
           <a:xfrm>
-            <a:off x="838200" y="1825625"/>
-            <a:ext cx="5181600" cy="4351338"/>
+            <a:off x="1097280" y="286603"/>
+            <a:ext cx="10058400" cy="1450757"/>
           </a:xfrm>
         </p:spPr>
         <p:txBody>
           <a:bodyPr/>
           <a:lstStyle/>
           <a:p>
-            <a:pPr lvl="0"/>
-            <a:r>
-              <a:rPr lang="ru-RU"/>
-              <a:t>Образец текста</a:t>
-            </a:r>
-          </a:p>
-          <a:p>
-            <a:pPr lvl="1"/>
-            <a:r>
-              <a:rPr lang="ru-RU"/>
-              <a:t>Второй уровень</a:t>
-            </a:r>
-          </a:p>
-          <a:p>
-            <a:pPr lvl="2"/>
-            <a:r>
-              <a:rPr lang="ru-RU"/>
-              <a:t>Третий уровень</a:t>
-            </a:r>
-          </a:p>
-          <a:p>
-            <a:pPr lvl="3"/>
-            <a:r>
-              <a:rPr lang="ru-RU"/>
-              <a:t>Четвертый уровень</a:t>
-            </a:r>
-          </a:p>
-          <a:p>
-            <a:pPr lvl="4"/>
-            <a:r>
-              <a:rPr lang="ru-RU"/>
-              <a:t>Пятый уровень</a:t>
-            </a:r>
-          </a:p>
-        </p:txBody>
-      </p:sp>
-      <p:sp>
-        <p:nvSpPr>
-          <p:cNvPr id="4" name="Объект 3">
-            <a:extLst>
-              <a:ext uri="{FF2B5EF4-FFF2-40B4-BE49-F238E27FC236}">
-                <a16:creationId xmlns:a16="http://schemas.microsoft.com/office/drawing/2014/main" id="{8AA4DA4D-781D-A80D-D2CC-948245A6AA24}"/>
-              </a:ext>
-            </a:extLst>
-          </p:cNvPr>
-          <p:cNvSpPr>
-            <a:spLocks noGrp="1"/>
-          </p:cNvSpPr>
-          <p:nvPr>
-            <p:ph sz="half" idx="2"/>
+            <a:r>
+              <a:rPr lang="ru-RU"/>
+              <a:t>Образец заголовка</a:t>
+            </a:r>
+            <a:endParaRPr lang="en-US" dirty="0"/>
+          </a:p>
+        </p:txBody>
+      </p:sp>
+      <p:sp>
+        <p:nvSpPr>
+          <p:cNvPr id="3" name="Content Placeholder 2"/>
+          <p:cNvSpPr>
+            <a:spLocks noGrp="1"/>
+          </p:cNvSpPr>
+          <p:nvPr>
+            <p:ph sz="half" idx="1"/>
           </p:nvPr>
         </p:nvSpPr>
         <p:spPr>
           <a:xfrm>
-            <a:off x="6172200" y="1825625"/>
-            <a:ext cx="5181600" cy="4351338"/>
+            <a:off x="1097278" y="1845734"/>
+            <a:ext cx="4937760" cy="4023360"/>
           </a:xfrm>
         </p:spPr>
         <p:txBody>
@@ -1385,18 +1518,70 @@
               <a:rPr lang="ru-RU"/>
               <a:t>Пятый уровень</a:t>
             </a:r>
-          </a:p>
-        </p:txBody>
-      </p:sp>
-      <p:sp>
-        <p:nvSpPr>
-          <p:cNvPr id="5" name="Дата 4">
-            <a:extLst>
-              <a:ext uri="{FF2B5EF4-FFF2-40B4-BE49-F238E27FC236}">
-                <a16:creationId xmlns:a16="http://schemas.microsoft.com/office/drawing/2014/main" id="{C985CFF5-30E1-45FC-0050-D89A2FFBFC2F}"/>
-              </a:ext>
-            </a:extLst>
-          </p:cNvPr>
+            <a:endParaRPr lang="en-US" dirty="0"/>
+          </a:p>
+        </p:txBody>
+      </p:sp>
+      <p:sp>
+        <p:nvSpPr>
+          <p:cNvPr id="4" name="Content Placeholder 3"/>
+          <p:cNvSpPr>
+            <a:spLocks noGrp="1"/>
+          </p:cNvSpPr>
+          <p:nvPr>
+            <p:ph sz="half" idx="2"/>
+          </p:nvPr>
+        </p:nvSpPr>
+        <p:spPr>
+          <a:xfrm>
+            <a:off x="6217920" y="1845735"/>
+            <a:ext cx="4937760" cy="4023360"/>
+          </a:xfrm>
+        </p:spPr>
+        <p:txBody>
+          <a:bodyPr/>
+          <a:lstStyle/>
+          <a:p>
+            <a:pPr lvl="0"/>
+            <a:r>
+              <a:rPr lang="ru-RU"/>
+              <a:t>Образец текста</a:t>
+            </a:r>
+          </a:p>
+          <a:p>
+            <a:pPr lvl="1"/>
+            <a:r>
+              <a:rPr lang="ru-RU"/>
+              <a:t>Второй уровень</a:t>
+            </a:r>
+          </a:p>
+          <a:p>
+            <a:pPr lvl="2"/>
+            <a:r>
+              <a:rPr lang="ru-RU"/>
+              <a:t>Третий уровень</a:t>
+            </a:r>
+          </a:p>
+          <a:p>
+            <a:pPr lvl="3"/>
+            <a:r>
+              <a:rPr lang="ru-RU"/>
+              <a:t>Четвертый уровень</a:t>
+            </a:r>
+          </a:p>
+          <a:p>
+            <a:pPr lvl="4"/>
+            <a:r>
+              <a:rPr lang="ru-RU"/>
+              <a:t>Пятый уровень</a:t>
+            </a:r>
+            <a:endParaRPr lang="en-US" dirty="0"/>
+          </a:p>
+        </p:txBody>
+      </p:sp>
+      <p:sp>
+        <p:nvSpPr>
+          <p:cNvPr id="5" name="Date Placeholder 4"/>
           <p:cNvSpPr>
             <a:spLocks noGrp="1"/>
           </p:cNvSpPr>
@@ -1419,13 +1604,7 @@
       </p:sp>
       <p:sp>
         <p:nvSpPr>
-          <p:cNvPr id="6" name="Нижний колонтитул 5">
-            <a:extLst>
-              <a:ext uri="{FF2B5EF4-FFF2-40B4-BE49-F238E27FC236}">
-                <a16:creationId xmlns:a16="http://schemas.microsoft.com/office/drawing/2014/main" id="{284B91FA-128A-9F00-8082-AF76B0BE1F4E}"/>
-              </a:ext>
-            </a:extLst>
-          </p:cNvPr>
+          <p:cNvPr id="6" name="Footer Placeholder 5"/>
           <p:cNvSpPr>
             <a:spLocks noGrp="1"/>
           </p:cNvSpPr>
@@ -1444,13 +1623,7 @@
       </p:sp>
       <p:sp>
         <p:nvSpPr>
-          <p:cNvPr id="7" name="Номер слайда 6">
-            <a:extLst>
-              <a:ext uri="{FF2B5EF4-FFF2-40B4-BE49-F238E27FC236}">
-                <a16:creationId xmlns:a16="http://schemas.microsoft.com/office/drawing/2014/main" id="{C00E53E8-DDB4-586F-FF27-A692A097D49C}"/>
-              </a:ext>
-            </a:extLst>
-          </p:cNvPr>
+          <p:cNvPr id="7" name="Slide Number Placeholder 6"/>
           <p:cNvSpPr>
             <a:spLocks noGrp="1"/>
           </p:cNvSpPr>
@@ -1474,7 +1647,7 @@
     </p:spTree>
     <p:extLst>
       <p:ext uri="{BB962C8B-B14F-4D97-AF65-F5344CB8AC3E}">
-        <p14:creationId xmlns:p14="http://schemas.microsoft.com/office/powerpoint/2010/main" val="2555768982"/>
+        <p14:creationId xmlns:p14="http://schemas.microsoft.com/office/powerpoint/2010/main" val="3515321962"/>
       </p:ext>
     </p:extLst>
   </p:cSld>
@@ -1503,13 +1676,7 @@
       </p:grpSpPr>
       <p:sp>
         <p:nvSpPr>
-          <p:cNvPr id="2" name="Заголовок 1">
-            <a:extLst>
-              <a:ext uri="{FF2B5EF4-FFF2-40B4-BE49-F238E27FC236}">
-                <a16:creationId xmlns:a16="http://schemas.microsoft.com/office/drawing/2014/main" id="{8B0E4D31-8246-DA62-4CC4-564AC23FD8C2}"/>
-              </a:ext>
-            </a:extLst>
-          </p:cNvPr>
+          <p:cNvPr id="10" name="Title 9"/>
           <p:cNvSpPr>
             <a:spLocks noGrp="1"/>
           </p:cNvSpPr>
@@ -1519,8 +1686,8 @@
         </p:nvSpPr>
         <p:spPr>
           <a:xfrm>
-            <a:off x="839788" y="365125"/>
-            <a:ext cx="10515600" cy="1325563"/>
+            <a:off x="1097280" y="286603"/>
+            <a:ext cx="10058400" cy="1450757"/>
           </a:xfrm>
         </p:spPr>
         <p:txBody>
@@ -1531,18 +1698,13 @@
               <a:rPr lang="ru-RU"/>
               <a:t>Образец заголовка</a:t>
             </a:r>
-          </a:p>
-        </p:txBody>
-      </p:sp>
-      <p:sp>
-        <p:nvSpPr>
-          <p:cNvPr id="3" name="Текст 2">
-            <a:extLst>
-              <a:ext uri="{FF2B5EF4-FFF2-40B4-BE49-F238E27FC236}">
-                <a16:creationId xmlns:a16="http://schemas.microsoft.com/office/drawing/2014/main" id="{121CF816-F306-CD29-8A4A-1F79F689D1B5}"/>
-              </a:ext>
-            </a:extLst>
-          </p:cNvPr>
+            <a:endParaRPr lang="en-US" dirty="0"/>
+          </a:p>
+        </p:txBody>
+      </p:sp>
+      <p:sp>
+        <p:nvSpPr>
+          <p:cNvPr id="3" name="Text Placeholder 2"/>
           <p:cNvSpPr>
             <a:spLocks noGrp="1"/>
           </p:cNvSpPr>
@@ -1552,16 +1714,22 @@
         </p:nvSpPr>
         <p:spPr>
           <a:xfrm>
-            <a:off x="839788" y="1681163"/>
-            <a:ext cx="5157787" cy="823912"/>
+            <a:off x="1097280" y="1846052"/>
+            <a:ext cx="4937760" cy="736282"/>
           </a:xfrm>
         </p:spPr>
         <p:txBody>
-          <a:bodyPr anchor="b"/>
+          <a:bodyPr lIns="91440" rIns="91440" anchor="ctr">
+            <a:normAutofit/>
+          </a:bodyPr>
           <a:lstStyle>
             <a:lvl1pPr marL="0" indent="0">
               <a:buNone/>
-              <a:defRPr sz="2400" b="1"/>
+              <a:defRPr sz="2000" b="0" cap="all" baseline="0">
+                <a:solidFill>
+                  <a:schemeClr val="tx2"/>
+                </a:solidFill>
+              </a:defRPr>
             </a:lvl1pPr>
             <a:lvl2pPr marL="457200" indent="0">
               <a:buNone/>
@@ -1607,13 +1775,7 @@
       </p:sp>
       <p:sp>
         <p:nvSpPr>
-          <p:cNvPr id="4" name="Объект 3">
-            <a:extLst>
-              <a:ext uri="{FF2B5EF4-FFF2-40B4-BE49-F238E27FC236}">
-                <a16:creationId xmlns:a16="http://schemas.microsoft.com/office/drawing/2014/main" id="{FB50BF24-2070-CBD9-5ACB-60848C13CD34}"/>
-              </a:ext>
-            </a:extLst>
-          </p:cNvPr>
+          <p:cNvPr id="4" name="Content Placeholder 3"/>
           <p:cNvSpPr>
             <a:spLocks noGrp="1"/>
           </p:cNvSpPr>
@@ -1623,8 +1785,8 @@
         </p:nvSpPr>
         <p:spPr>
           <a:xfrm>
-            <a:off x="839788" y="2505075"/>
-            <a:ext cx="5157787" cy="3684588"/>
+            <a:off x="1097280" y="2582334"/>
+            <a:ext cx="4937760" cy="3378200"/>
           </a:xfrm>
         </p:spPr>
         <p:txBody>
@@ -1664,18 +1826,13 @@
               <a:rPr lang="ru-RU"/>
               <a:t>Пятый уровень</a:t>
             </a:r>
-          </a:p>
-        </p:txBody>
-      </p:sp>
-      <p:sp>
-        <p:nvSpPr>
-          <p:cNvPr id="5" name="Текст 4">
-            <a:extLst>
-              <a:ext uri="{FF2B5EF4-FFF2-40B4-BE49-F238E27FC236}">
-                <a16:creationId xmlns:a16="http://schemas.microsoft.com/office/drawing/2014/main" id="{BECCF968-FC73-B94A-5646-B63AC2CF2322}"/>
-              </a:ext>
-            </a:extLst>
-          </p:cNvPr>
+            <a:endParaRPr lang="en-US" dirty="0"/>
+          </a:p>
+        </p:txBody>
+      </p:sp>
+      <p:sp>
+        <p:nvSpPr>
+          <p:cNvPr id="5" name="Text Placeholder 4"/>
           <p:cNvSpPr>
             <a:spLocks noGrp="1"/>
           </p:cNvSpPr>
@@ -1685,16 +1842,22 @@
         </p:nvSpPr>
         <p:spPr>
           <a:xfrm>
-            <a:off x="6172200" y="1681163"/>
-            <a:ext cx="5183188" cy="823912"/>
+            <a:off x="6217920" y="1846052"/>
+            <a:ext cx="4937760" cy="736282"/>
           </a:xfrm>
         </p:spPr>
         <p:txBody>
-          <a:bodyPr anchor="b"/>
+          <a:bodyPr lIns="91440" rIns="91440" anchor="ctr">
+            <a:normAutofit/>
+          </a:bodyPr>
           <a:lstStyle>
             <a:lvl1pPr marL="0" indent="0">
               <a:buNone/>
-              <a:defRPr sz="2400" b="1"/>
+              <a:defRPr sz="2000" b="0" cap="all" baseline="0">
+                <a:solidFill>
+                  <a:schemeClr val="tx2"/>
+                </a:solidFill>
+              </a:defRPr>
             </a:lvl1pPr>
             <a:lvl2pPr marL="457200" indent="0">
               <a:buNone/>
@@ -1740,13 +1903,7 @@
       </p:sp>
       <p:sp>
         <p:nvSpPr>
-          <p:cNvPr id="6" name="Объект 5">
-            <a:extLst>
-              <a:ext uri="{FF2B5EF4-FFF2-40B4-BE49-F238E27FC236}">
-                <a16:creationId xmlns:a16="http://schemas.microsoft.com/office/drawing/2014/main" id="{4F8B6226-E63D-A371-8862-572AED674BBF}"/>
-              </a:ext>
-            </a:extLst>
-          </p:cNvPr>
+          <p:cNvPr id="6" name="Content Placeholder 5"/>
           <p:cNvSpPr>
             <a:spLocks noGrp="1"/>
           </p:cNvSpPr>
@@ -1756,8 +1913,8 @@
         </p:nvSpPr>
         <p:spPr>
           <a:xfrm>
-            <a:off x="6172200" y="2505075"/>
-            <a:ext cx="5183188" cy="3684588"/>
+            <a:off x="6217920" y="2582334"/>
+            <a:ext cx="4937760" cy="3378200"/>
           </a:xfrm>
         </p:spPr>
         <p:txBody>
@@ -1797,18 +1954,13 @@
               <a:rPr lang="ru-RU"/>
               <a:t>Пятый уровень</a:t>
             </a:r>
-          </a:p>
-        </p:txBody>
-      </p:sp>
-      <p:sp>
-        <p:nvSpPr>
-          <p:cNvPr id="7" name="Дата 6">
-            <a:extLst>
-              <a:ext uri="{FF2B5EF4-FFF2-40B4-BE49-F238E27FC236}">
-                <a16:creationId xmlns:a16="http://schemas.microsoft.com/office/drawing/2014/main" id="{AC88F29A-181C-242C-6C02-78E37468CEEA}"/>
-              </a:ext>
-            </a:extLst>
-          </p:cNvPr>
+            <a:endParaRPr lang="en-US" dirty="0"/>
+          </a:p>
+        </p:txBody>
+      </p:sp>
+      <p:sp>
+        <p:nvSpPr>
+          <p:cNvPr id="7" name="Date Placeholder 6"/>
           <p:cNvSpPr>
             <a:spLocks noGrp="1"/>
           </p:cNvSpPr>
@@ -1831,13 +1983,7 @@
       </p:sp>
       <p:sp>
         <p:nvSpPr>
-          <p:cNvPr id="8" name="Нижний колонтитул 7">
-            <a:extLst>
-              <a:ext uri="{FF2B5EF4-FFF2-40B4-BE49-F238E27FC236}">
-                <a16:creationId xmlns:a16="http://schemas.microsoft.com/office/drawing/2014/main" id="{AB88ED7F-3BA3-8412-991C-9D1DD9387ECA}"/>
-              </a:ext>
-            </a:extLst>
-          </p:cNvPr>
+          <p:cNvPr id="8" name="Footer Placeholder 7"/>
           <p:cNvSpPr>
             <a:spLocks noGrp="1"/>
           </p:cNvSpPr>
@@ -1856,13 +2002,7 @@
       </p:sp>
       <p:sp>
         <p:nvSpPr>
-          <p:cNvPr id="9" name="Номер слайда 8">
-            <a:extLst>
-              <a:ext uri="{FF2B5EF4-FFF2-40B4-BE49-F238E27FC236}">
-                <a16:creationId xmlns:a16="http://schemas.microsoft.com/office/drawing/2014/main" id="{2FB6BCAC-C6F2-F89D-1666-4F129B9F92FA}"/>
-              </a:ext>
-            </a:extLst>
-          </p:cNvPr>
+          <p:cNvPr id="9" name="Slide Number Placeholder 8"/>
           <p:cNvSpPr>
             <a:spLocks noGrp="1"/>
           </p:cNvSpPr>
@@ -1886,7 +2026,7 @@
     </p:spTree>
     <p:extLst>
       <p:ext uri="{BB962C8B-B14F-4D97-AF65-F5344CB8AC3E}">
-        <p14:creationId xmlns:p14="http://schemas.microsoft.com/office/powerpoint/2010/main" val="2721127306"/>
+        <p14:creationId xmlns:p14="http://schemas.microsoft.com/office/powerpoint/2010/main" val="387804856"/>
       </p:ext>
     </p:extLst>
   </p:cSld>
@@ -1915,13 +2055,7 @@
       </p:grpSpPr>
       <p:sp>
         <p:nvSpPr>
-          <p:cNvPr id="2" name="Заголовок 1">
-            <a:extLst>
-              <a:ext uri="{FF2B5EF4-FFF2-40B4-BE49-F238E27FC236}">
-                <a16:creationId xmlns:a16="http://schemas.microsoft.com/office/drawing/2014/main" id="{86D2A4AC-DFE2-98CE-2541-9EF60BD7F783}"/>
-              </a:ext>
-            </a:extLst>
-          </p:cNvPr>
+          <p:cNvPr id="2" name="Title 1"/>
           <p:cNvSpPr>
             <a:spLocks noGrp="1"/>
           </p:cNvSpPr>
@@ -1938,18 +2072,13 @@
               <a:rPr lang="ru-RU"/>
               <a:t>Образец заголовка</a:t>
             </a:r>
-          </a:p>
-        </p:txBody>
-      </p:sp>
-      <p:sp>
-        <p:nvSpPr>
-          <p:cNvPr id="3" name="Дата 2">
-            <a:extLst>
-              <a:ext uri="{FF2B5EF4-FFF2-40B4-BE49-F238E27FC236}">
-                <a16:creationId xmlns:a16="http://schemas.microsoft.com/office/drawing/2014/main" id="{F3AF8489-9C90-68B0-2B40-91070AC648CD}"/>
-              </a:ext>
-            </a:extLst>
-          </p:cNvPr>
+            <a:endParaRPr lang="en-US" dirty="0"/>
+          </a:p>
+        </p:txBody>
+      </p:sp>
+      <p:sp>
+        <p:nvSpPr>
+          <p:cNvPr id="3" name="Date Placeholder 2"/>
           <p:cNvSpPr>
             <a:spLocks noGrp="1"/>
           </p:cNvSpPr>
@@ -1972,13 +2101,7 @@
       </p:sp>
       <p:sp>
         <p:nvSpPr>
-          <p:cNvPr id="4" name="Нижний колонтитул 3">
-            <a:extLst>
-              <a:ext uri="{FF2B5EF4-FFF2-40B4-BE49-F238E27FC236}">
-                <a16:creationId xmlns:a16="http://schemas.microsoft.com/office/drawing/2014/main" id="{A9823A1C-CB98-130E-86E5-0A28FE6954BB}"/>
-              </a:ext>
-            </a:extLst>
-          </p:cNvPr>
+          <p:cNvPr id="4" name="Footer Placeholder 3"/>
           <p:cNvSpPr>
             <a:spLocks noGrp="1"/>
           </p:cNvSpPr>
@@ -1997,13 +2120,7 @@
       </p:sp>
       <p:sp>
         <p:nvSpPr>
-          <p:cNvPr id="5" name="Номер слайда 4">
-            <a:extLst>
-              <a:ext uri="{FF2B5EF4-FFF2-40B4-BE49-F238E27FC236}">
-                <a16:creationId xmlns:a16="http://schemas.microsoft.com/office/drawing/2014/main" id="{E6CAC97F-0532-A197-1206-54F967AFC6BD}"/>
-              </a:ext>
-            </a:extLst>
-          </p:cNvPr>
+          <p:cNvPr id="5" name="Slide Number Placeholder 4"/>
           <p:cNvSpPr>
             <a:spLocks noGrp="1"/>
           </p:cNvSpPr>
@@ -2027,7 +2144,7 @@
     </p:spTree>
     <p:extLst>
       <p:ext uri="{BB962C8B-B14F-4D97-AF65-F5344CB8AC3E}">
-        <p14:creationId xmlns:p14="http://schemas.microsoft.com/office/powerpoint/2010/main" val="544152642"/>
+        <p14:creationId xmlns:p14="http://schemas.microsoft.com/office/powerpoint/2010/main" val="2466569790"/>
       </p:ext>
     </p:extLst>
   </p:cSld>
@@ -2038,7 +2155,7 @@
 </file>
 
 <file path=ppt/slideLayouts/slideLayout7.xml><?xml version="1.0" encoding="utf-8"?>
-<p:sldLayout xmlns:a="http://schemas.openxmlformats.org/drawingml/2006/main" xmlns:r="http://schemas.openxmlformats.org/officeDocument/2006/relationships" xmlns:p="http://schemas.openxmlformats.org/presentationml/2006/main" type="blank" preserve="1">
+<p:sldLayout xmlns:a="http://schemas.openxmlformats.org/drawingml/2006/main" xmlns:r="http://schemas.openxmlformats.org/officeDocument/2006/relationships" xmlns:p="http://schemas.openxmlformats.org/presentationml/2006/main" showMasterSp="0" type="blank" preserve="1">
   <p:cSld name="Пустой слайд">
     <p:spTree>
       <p:nvGrpSpPr>
@@ -2056,13 +2173,85 @@
       </p:grpSpPr>
       <p:sp>
         <p:nvSpPr>
-          <p:cNvPr id="2" name="Дата 1">
-            <a:extLst>
-              <a:ext uri="{FF2B5EF4-FFF2-40B4-BE49-F238E27FC236}">
-                <a16:creationId xmlns:a16="http://schemas.microsoft.com/office/drawing/2014/main" id="{E58F7903-66B0-7ED9-C63C-022EF7785898}"/>
-              </a:ext>
-            </a:extLst>
-          </p:cNvPr>
+          <p:cNvPr id="5" name="Rectangle 4"/>
+          <p:cNvSpPr/>
+          <p:nvPr/>
+        </p:nvSpPr>
+        <p:spPr>
+          <a:xfrm>
+            <a:off x="3175" y="6400800"/>
+            <a:ext cx="12188825" cy="457200"/>
+          </a:xfrm>
+          <a:prstGeom prst="rect">
+            <a:avLst/>
+          </a:prstGeom>
+          <a:solidFill>
+            <a:schemeClr val="accent4">
+              <a:lumMod val="75000"/>
+            </a:schemeClr>
+          </a:solidFill>
+          <a:ln>
+            <a:noFill/>
+          </a:ln>
+        </p:spPr>
+        <p:style>
+          <a:lnRef idx="2">
+            <a:schemeClr val="accent1">
+              <a:shade val="50000"/>
+            </a:schemeClr>
+          </a:lnRef>
+          <a:fillRef idx="1">
+            <a:schemeClr val="accent1"/>
+          </a:fillRef>
+          <a:effectRef idx="0">
+            <a:schemeClr val="accent1"/>
+          </a:effectRef>
+          <a:fontRef idx="minor">
+            <a:schemeClr val="lt1"/>
+          </a:fontRef>
+        </p:style>
+      </p:sp>
+      <p:sp>
+        <p:nvSpPr>
+          <p:cNvPr id="6" name="Rectangle 5"/>
+          <p:cNvSpPr/>
+          <p:nvPr/>
+        </p:nvSpPr>
+        <p:spPr>
+          <a:xfrm>
+            <a:off x="15" y="6334316"/>
+            <a:ext cx="12188825" cy="64008"/>
+          </a:xfrm>
+          <a:prstGeom prst="rect">
+            <a:avLst/>
+          </a:prstGeom>
+          <a:solidFill>
+            <a:schemeClr val="accent4"/>
+          </a:solidFill>
+          <a:ln>
+            <a:noFill/>
+          </a:ln>
+        </p:spPr>
+        <p:style>
+          <a:lnRef idx="2">
+            <a:schemeClr val="accent1">
+              <a:shade val="50000"/>
+            </a:schemeClr>
+          </a:lnRef>
+          <a:fillRef idx="1">
+            <a:schemeClr val="accent1"/>
+          </a:fillRef>
+          <a:effectRef idx="0">
+            <a:schemeClr val="accent1"/>
+          </a:effectRef>
+          <a:fontRef idx="minor">
+            <a:schemeClr val="lt1"/>
+          </a:fontRef>
+        </p:style>
+      </p:sp>
+      <p:sp>
+        <p:nvSpPr>
+          <p:cNvPr id="7" name="Date Placeholder 6"/>
           <p:cNvSpPr>
             <a:spLocks noGrp="1"/>
           </p:cNvSpPr>
@@ -2085,13 +2274,7 @@
       </p:sp>
       <p:sp>
         <p:nvSpPr>
-          <p:cNvPr id="3" name="Нижний колонтитул 2">
-            <a:extLst>
-              <a:ext uri="{FF2B5EF4-FFF2-40B4-BE49-F238E27FC236}">
-                <a16:creationId xmlns:a16="http://schemas.microsoft.com/office/drawing/2014/main" id="{EA9397F4-D877-1CE4-B0CE-5FC6275A8251}"/>
-              </a:ext>
-            </a:extLst>
-          </p:cNvPr>
+          <p:cNvPr id="8" name="Footer Placeholder 7"/>
           <p:cNvSpPr>
             <a:spLocks noGrp="1"/>
           </p:cNvSpPr>
@@ -2102,7 +2285,15 @@
         <p:spPr/>
         <p:txBody>
           <a:bodyPr/>
-          <a:lstStyle/>
+          <a:lstStyle>
+            <a:lvl1pPr>
+              <a:defRPr>
+                <a:solidFill>
+                  <a:srgbClr val="FFFFFF"/>
+                </a:solidFill>
+              </a:defRPr>
+            </a:lvl1pPr>
+          </a:lstStyle>
           <a:p>
             <a:endParaRPr lang="ru-RU"/>
           </a:p>
@@ -2110,13 +2301,7 @@
       </p:sp>
       <p:sp>
         <p:nvSpPr>
-          <p:cNvPr id="4" name="Номер слайда 3">
-            <a:extLst>
-              <a:ext uri="{FF2B5EF4-FFF2-40B4-BE49-F238E27FC236}">
-                <a16:creationId xmlns:a16="http://schemas.microsoft.com/office/drawing/2014/main" id="{73502E1E-66D7-4A43-58BE-9CD708FFFEFD}"/>
-              </a:ext>
-            </a:extLst>
-          </p:cNvPr>
+          <p:cNvPr id="9" name="Slide Number Placeholder 8"/>
           <p:cNvSpPr>
             <a:spLocks noGrp="1"/>
           </p:cNvSpPr>
@@ -2140,7 +2325,7 @@
     </p:spTree>
     <p:extLst>
       <p:ext uri="{BB962C8B-B14F-4D97-AF65-F5344CB8AC3E}">
-        <p14:creationId xmlns:p14="http://schemas.microsoft.com/office/powerpoint/2010/main" val="5175562"/>
+        <p14:creationId xmlns:p14="http://schemas.microsoft.com/office/powerpoint/2010/main" val="1151679192"/>
       </p:ext>
     </p:extLst>
   </p:cSld>
@@ -2151,7 +2336,7 @@
 </file>
 
 <file path=ppt/slideLayouts/slideLayout8.xml><?xml version="1.0" encoding="utf-8"?>
-<p:sldLayout xmlns:a="http://schemas.openxmlformats.org/drawingml/2006/main" xmlns:r="http://schemas.openxmlformats.org/officeDocument/2006/relationships" xmlns:p="http://schemas.openxmlformats.org/presentationml/2006/main" type="objTx" preserve="1">
+<p:sldLayout xmlns:a="http://schemas.openxmlformats.org/drawingml/2006/main" xmlns:r="http://schemas.openxmlformats.org/officeDocument/2006/relationships" xmlns:p="http://schemas.openxmlformats.org/presentationml/2006/main" showMasterSp="0" type="objTx" preserve="1">
   <p:cSld name="Объект с подписью">
     <p:spTree>
       <p:nvGrpSpPr>
@@ -2169,31 +2354,109 @@
       </p:grpSpPr>
       <p:sp>
         <p:nvSpPr>
-          <p:cNvPr id="2" name="Заголовок 1">
-            <a:extLst>
-              <a:ext uri="{FF2B5EF4-FFF2-40B4-BE49-F238E27FC236}">
-                <a16:creationId xmlns:a16="http://schemas.microsoft.com/office/drawing/2014/main" id="{D4F4CF44-2538-7196-1BFA-E336F8E60059}"/>
-              </a:ext>
-            </a:extLst>
-          </p:cNvPr>
-          <p:cNvSpPr>
-            <a:spLocks noGrp="1"/>
-          </p:cNvSpPr>
-          <p:nvPr>
-            <p:ph type="title"/>
-          </p:nvPr>
+          <p:cNvPr id="8" name="Rectangle 7"/>
+          <p:cNvSpPr/>
+          <p:nvPr/>
         </p:nvSpPr>
         <p:spPr>
           <a:xfrm>
-            <a:off x="839788" y="457200"/>
-            <a:ext cx="3932237" cy="1600200"/>
+            <a:off x="16" y="0"/>
+            <a:ext cx="4050791" cy="6858000"/>
+          </a:xfrm>
+          <a:prstGeom prst="rect">
+            <a:avLst/>
+          </a:prstGeom>
+          <a:solidFill>
+            <a:schemeClr val="accent4">
+              <a:lumMod val="75000"/>
+            </a:schemeClr>
+          </a:solidFill>
+          <a:ln>
+            <a:noFill/>
+          </a:ln>
+        </p:spPr>
+        <p:style>
+          <a:lnRef idx="2">
+            <a:schemeClr val="accent1">
+              <a:shade val="50000"/>
+            </a:schemeClr>
+          </a:lnRef>
+          <a:fillRef idx="1">
+            <a:schemeClr val="accent1"/>
+          </a:fillRef>
+          <a:effectRef idx="0">
+            <a:schemeClr val="accent1"/>
+          </a:effectRef>
+          <a:fontRef idx="minor">
+            <a:schemeClr val="lt1"/>
+          </a:fontRef>
+        </p:style>
+      </p:sp>
+      <p:sp>
+        <p:nvSpPr>
+          <p:cNvPr id="9" name="Rectangle 8"/>
+          <p:cNvSpPr/>
+          <p:nvPr/>
+        </p:nvSpPr>
+        <p:spPr>
+          <a:xfrm>
+            <a:off x="4040071" y="0"/>
+            <a:ext cx="64008" cy="6858000"/>
+          </a:xfrm>
+          <a:prstGeom prst="rect">
+            <a:avLst/>
+          </a:prstGeom>
+          <a:solidFill>
+            <a:schemeClr val="accent4"/>
+          </a:solidFill>
+          <a:ln>
+            <a:noFill/>
+          </a:ln>
+        </p:spPr>
+        <p:style>
+          <a:lnRef idx="2">
+            <a:schemeClr val="accent1">
+              <a:shade val="50000"/>
+            </a:schemeClr>
+          </a:lnRef>
+          <a:fillRef idx="1">
+            <a:schemeClr val="accent1"/>
+          </a:fillRef>
+          <a:effectRef idx="0">
+            <a:schemeClr val="accent1"/>
+          </a:effectRef>
+          <a:fontRef idx="minor">
+            <a:schemeClr val="lt1"/>
+          </a:fontRef>
+        </p:style>
+      </p:sp>
+      <p:sp>
+        <p:nvSpPr>
+          <p:cNvPr id="2" name="Title 1"/>
+          <p:cNvSpPr>
+            <a:spLocks noGrp="1"/>
+          </p:cNvSpPr>
+          <p:nvPr>
+            <p:ph type="title"/>
+          </p:nvPr>
+        </p:nvSpPr>
+        <p:spPr>
+          <a:xfrm>
+            <a:off x="457200" y="594359"/>
+            <a:ext cx="3200400" cy="2286000"/>
           </a:xfrm>
         </p:spPr>
         <p:txBody>
-          <a:bodyPr anchor="b"/>
+          <a:bodyPr anchor="b">
+            <a:normAutofit/>
+          </a:bodyPr>
           <a:lstStyle>
             <a:lvl1pPr>
-              <a:defRPr sz="3200"/>
+              <a:defRPr sz="3600" b="0">
+                <a:solidFill>
+                  <a:srgbClr val="FFFFFF"/>
+                </a:solidFill>
+              </a:defRPr>
             </a:lvl1pPr>
           </a:lstStyle>
           <a:p>
@@ -2201,18 +2464,13 @@
               <a:rPr lang="ru-RU"/>
               <a:t>Образец заголовка</a:t>
             </a:r>
-          </a:p>
-        </p:txBody>
-      </p:sp>
-      <p:sp>
-        <p:nvSpPr>
-          <p:cNvPr id="3" name="Объект 2">
-            <a:extLst>
-              <a:ext uri="{FF2B5EF4-FFF2-40B4-BE49-F238E27FC236}">
-                <a16:creationId xmlns:a16="http://schemas.microsoft.com/office/drawing/2014/main" id="{3BD97C13-FAC4-54E5-ABBD-3343F0E68D52}"/>
-              </a:ext>
-            </a:extLst>
-          </p:cNvPr>
+            <a:endParaRPr lang="en-US" dirty="0"/>
+          </a:p>
+        </p:txBody>
+      </p:sp>
+      <p:sp>
+        <p:nvSpPr>
+          <p:cNvPr id="3" name="Content Placeholder 2"/>
           <p:cNvSpPr>
             <a:spLocks noGrp="1"/>
           </p:cNvSpPr>
@@ -2222,39 +2480,111 @@
         </p:nvSpPr>
         <p:spPr>
           <a:xfrm>
-            <a:off x="5183188" y="987425"/>
-            <a:ext cx="6172200" cy="4873625"/>
+            <a:off x="4800600" y="731520"/>
+            <a:ext cx="6492240" cy="5257800"/>
           </a:xfrm>
         </p:spPr>
         <p:txBody>
           <a:bodyPr/>
+          <a:lstStyle/>
+          <a:p>
+            <a:pPr lvl="0"/>
+            <a:r>
+              <a:rPr lang="ru-RU"/>
+              <a:t>Образец текста</a:t>
+            </a:r>
+          </a:p>
+          <a:p>
+            <a:pPr lvl="1"/>
+            <a:r>
+              <a:rPr lang="ru-RU"/>
+              <a:t>Второй уровень</a:t>
+            </a:r>
+          </a:p>
+          <a:p>
+            <a:pPr lvl="2"/>
+            <a:r>
+              <a:rPr lang="ru-RU"/>
+              <a:t>Третий уровень</a:t>
+            </a:r>
+          </a:p>
+          <a:p>
+            <a:pPr lvl="3"/>
+            <a:r>
+              <a:rPr lang="ru-RU"/>
+              <a:t>Четвертый уровень</a:t>
+            </a:r>
+          </a:p>
+          <a:p>
+            <a:pPr lvl="4"/>
+            <a:r>
+              <a:rPr lang="ru-RU"/>
+              <a:t>Пятый уровень</a:t>
+            </a:r>
+            <a:endParaRPr lang="en-US" dirty="0"/>
+          </a:p>
+        </p:txBody>
+      </p:sp>
+      <p:sp>
+        <p:nvSpPr>
+          <p:cNvPr id="4" name="Text Placeholder 3"/>
+          <p:cNvSpPr>
+            <a:spLocks noGrp="1"/>
+          </p:cNvSpPr>
+          <p:nvPr>
+            <p:ph type="body" sz="half" idx="2"/>
+          </p:nvPr>
+        </p:nvSpPr>
+        <p:spPr>
+          <a:xfrm>
+            <a:off x="457200" y="2926080"/>
+            <a:ext cx="3200400" cy="3379124"/>
+          </a:xfrm>
+        </p:spPr>
+        <p:txBody>
+          <a:bodyPr lIns="91440" rIns="91440">
+            <a:normAutofit/>
+          </a:bodyPr>
           <a:lstStyle>
-            <a:lvl1pPr>
-              <a:defRPr sz="3200"/>
+            <a:lvl1pPr marL="0" indent="0">
+              <a:buNone/>
+              <a:defRPr sz="1500">
+                <a:solidFill>
+                  <a:srgbClr val="FFFFFF"/>
+                </a:solidFill>
+              </a:defRPr>
             </a:lvl1pPr>
-            <a:lvl2pPr>
-              <a:defRPr sz="2800"/>
+            <a:lvl2pPr marL="457200" indent="0">
+              <a:buNone/>
+              <a:defRPr sz="1200"/>
             </a:lvl2pPr>
-            <a:lvl3pPr>
-              <a:defRPr sz="2400"/>
+            <a:lvl3pPr marL="914400" indent="0">
+              <a:buNone/>
+              <a:defRPr sz="1000"/>
             </a:lvl3pPr>
-            <a:lvl4pPr>
-              <a:defRPr sz="2000"/>
+            <a:lvl4pPr marL="1371600" indent="0">
+              <a:buNone/>
+              <a:defRPr sz="900"/>
             </a:lvl4pPr>
-            <a:lvl5pPr>
-              <a:defRPr sz="2000"/>
+            <a:lvl5pPr marL="1828800" indent="0">
+              <a:buNone/>
+              <a:defRPr sz="900"/>
             </a:lvl5pPr>
-            <a:lvl6pPr>
-              <a:defRPr sz="2000"/>
+            <a:lvl6pPr marL="2286000" indent="0">
+              <a:buNone/>
+              <a:defRPr sz="900"/>
             </a:lvl6pPr>
-            <a:lvl7pPr>
-              <a:defRPr sz="2000"/>
+            <a:lvl7pPr marL="2743200" indent="0">
+              <a:buNone/>
+              <a:defRPr sz="900"/>
             </a:lvl7pPr>
-            <a:lvl8pPr>
-              <a:defRPr sz="2000"/>
+            <a:lvl8pPr marL="3200400" indent="0">
+              <a:buNone/>
+              <a:defRPr sz="900"/>
             </a:lvl8pPr>
-            <a:lvl9pPr>
-              <a:defRPr sz="2000"/>
+            <a:lvl9pPr marL="3657600" indent="0">
+              <a:buNone/>
+              <a:defRPr sz="900"/>
             </a:lvl9pPr>
           </a:lstStyle>
           <a:p>
@@ -2264,127 +2594,31 @@
               <a:t>Образец текста</a:t>
             </a:r>
           </a:p>
-          <a:p>
-            <a:pPr lvl="1"/>
-            <a:r>
-              <a:rPr lang="ru-RU"/>
-              <a:t>Второй уровень</a:t>
-            </a:r>
-          </a:p>
-          <a:p>
-            <a:pPr lvl="2"/>
-            <a:r>
-              <a:rPr lang="ru-RU"/>
-              <a:t>Третий уровень</a:t>
-            </a:r>
-          </a:p>
-          <a:p>
-            <a:pPr lvl="3"/>
-            <a:r>
-              <a:rPr lang="ru-RU"/>
-              <a:t>Четвертый уровень</a:t>
-            </a:r>
-          </a:p>
-          <a:p>
-            <a:pPr lvl="4"/>
-            <a:r>
-              <a:rPr lang="ru-RU"/>
-              <a:t>Пятый уровень</a:t>
-            </a:r>
-          </a:p>
-        </p:txBody>
-      </p:sp>
-      <p:sp>
-        <p:nvSpPr>
-          <p:cNvPr id="4" name="Текст 3">
-            <a:extLst>
-              <a:ext uri="{FF2B5EF4-FFF2-40B4-BE49-F238E27FC236}">
-                <a16:creationId xmlns:a16="http://schemas.microsoft.com/office/drawing/2014/main" id="{097FE930-006C-F4BF-29ED-556BC032496B}"/>
-              </a:ext>
-            </a:extLst>
-          </p:cNvPr>
-          <p:cNvSpPr>
-            <a:spLocks noGrp="1"/>
-          </p:cNvSpPr>
-          <p:nvPr>
-            <p:ph type="body" sz="half" idx="2"/>
+        </p:txBody>
+      </p:sp>
+      <p:sp>
+        <p:nvSpPr>
+          <p:cNvPr id="5" name="Date Placeholder 4"/>
+          <p:cNvSpPr>
+            <a:spLocks noGrp="1"/>
+          </p:cNvSpPr>
+          <p:nvPr>
+            <p:ph type="dt" sz="half" idx="10"/>
           </p:nvPr>
         </p:nvSpPr>
         <p:spPr>
           <a:xfrm>
-            <a:off x="839788" y="2057400"/>
-            <a:ext cx="3932237" cy="3811588"/>
+            <a:off x="465512" y="6459785"/>
+            <a:ext cx="2618510" cy="365125"/>
           </a:xfrm>
         </p:spPr>
         <p:txBody>
           <a:bodyPr/>
           <a:lstStyle>
-            <a:lvl1pPr marL="0" indent="0">
-              <a:buNone/>
-              <a:defRPr sz="1600"/>
+            <a:lvl1pPr algn="l">
+              <a:defRPr/>
             </a:lvl1pPr>
-            <a:lvl2pPr marL="457200" indent="0">
-              <a:buNone/>
-              <a:defRPr sz="1400"/>
-            </a:lvl2pPr>
-            <a:lvl3pPr marL="914400" indent="0">
-              <a:buNone/>
-              <a:defRPr sz="1200"/>
-            </a:lvl3pPr>
-            <a:lvl4pPr marL="1371600" indent="0">
-              <a:buNone/>
-              <a:defRPr sz="1000"/>
-            </a:lvl4pPr>
-            <a:lvl5pPr marL="1828800" indent="0">
-              <a:buNone/>
-              <a:defRPr sz="1000"/>
-            </a:lvl5pPr>
-            <a:lvl6pPr marL="2286000" indent="0">
-              <a:buNone/>
-              <a:defRPr sz="1000"/>
-            </a:lvl6pPr>
-            <a:lvl7pPr marL="2743200" indent="0">
-              <a:buNone/>
-              <a:defRPr sz="1000"/>
-            </a:lvl7pPr>
-            <a:lvl8pPr marL="3200400" indent="0">
-              <a:buNone/>
-              <a:defRPr sz="1000"/>
-            </a:lvl8pPr>
-            <a:lvl9pPr marL="3657600" indent="0">
-              <a:buNone/>
-              <a:defRPr sz="1000"/>
-            </a:lvl9pPr>
           </a:lstStyle>
-          <a:p>
-            <a:pPr lvl="0"/>
-            <a:r>
-              <a:rPr lang="ru-RU"/>
-              <a:t>Образец текста</a:t>
-            </a:r>
-          </a:p>
-        </p:txBody>
-      </p:sp>
-      <p:sp>
-        <p:nvSpPr>
-          <p:cNvPr id="5" name="Дата 4">
-            <a:extLst>
-              <a:ext uri="{FF2B5EF4-FFF2-40B4-BE49-F238E27FC236}">
-                <a16:creationId xmlns:a16="http://schemas.microsoft.com/office/drawing/2014/main" id="{43A72970-3D06-5DCD-5F97-AE49FBF1D235}"/>
-              </a:ext>
-            </a:extLst>
-          </p:cNvPr>
-          <p:cNvSpPr>
-            <a:spLocks noGrp="1"/>
-          </p:cNvSpPr>
-          <p:nvPr>
-            <p:ph type="dt" sz="half" idx="10"/>
-          </p:nvPr>
-        </p:nvSpPr>
-        <p:spPr/>
-        <p:txBody>
-          <a:bodyPr/>
-          <a:lstStyle/>
           <a:p>
             <a:fld id="{46D355C3-D236-45F9-974B-981E64A0C3F1}" type="datetimeFigureOut">
               <a:rPr lang="ru-RU" smtClean="0"/>
@@ -2396,13 +2630,7 @@
       </p:sp>
       <p:sp>
         <p:nvSpPr>
-          <p:cNvPr id="6" name="Нижний колонтитул 5">
-            <a:extLst>
-              <a:ext uri="{FF2B5EF4-FFF2-40B4-BE49-F238E27FC236}">
-                <a16:creationId xmlns:a16="http://schemas.microsoft.com/office/drawing/2014/main" id="{675667D5-EF3D-E887-5479-68397380EFB3}"/>
-              </a:ext>
-            </a:extLst>
-          </p:cNvPr>
+          <p:cNvPr id="6" name="Footer Placeholder 5"/>
           <p:cNvSpPr>
             <a:spLocks noGrp="1"/>
           </p:cNvSpPr>
@@ -2410,35 +2638,50 @@
             <p:ph type="ftr" sz="quarter" idx="11"/>
           </p:nvPr>
         </p:nvSpPr>
+        <p:spPr>
+          <a:xfrm>
+            <a:off x="4800600" y="6459785"/>
+            <a:ext cx="4648200" cy="365125"/>
+          </a:xfrm>
+        </p:spPr>
+        <p:txBody>
+          <a:bodyPr/>
+          <a:lstStyle>
+            <a:lvl1pPr algn="l">
+              <a:defRPr>
+                <a:solidFill>
+                  <a:schemeClr val="tx2"/>
+                </a:solidFill>
+              </a:defRPr>
+            </a:lvl1pPr>
+          </a:lstStyle>
+          <a:p>
+            <a:endParaRPr lang="ru-RU"/>
+          </a:p>
+        </p:txBody>
+      </p:sp>
+      <p:sp>
+        <p:nvSpPr>
+          <p:cNvPr id="7" name="Slide Number Placeholder 6"/>
+          <p:cNvSpPr>
+            <a:spLocks noGrp="1"/>
+          </p:cNvSpPr>
+          <p:nvPr>
+            <p:ph type="sldNum" sz="quarter" idx="12"/>
+          </p:nvPr>
+        </p:nvSpPr>
         <p:spPr/>
         <p:txBody>
           <a:bodyPr/>
-          <a:lstStyle/>
-          <a:p>
-            <a:endParaRPr lang="ru-RU"/>
-          </a:p>
-        </p:txBody>
-      </p:sp>
-      <p:sp>
-        <p:nvSpPr>
-          <p:cNvPr id="7" name="Номер слайда 6">
-            <a:extLst>
-              <a:ext uri="{FF2B5EF4-FFF2-40B4-BE49-F238E27FC236}">
-                <a16:creationId xmlns:a16="http://schemas.microsoft.com/office/drawing/2014/main" id="{83B2A38A-53BE-7CCD-93BE-AC17B85C9C5D}"/>
-              </a:ext>
-            </a:extLst>
-          </p:cNvPr>
-          <p:cNvSpPr>
-            <a:spLocks noGrp="1"/>
-          </p:cNvSpPr>
-          <p:nvPr>
-            <p:ph type="sldNum" sz="quarter" idx="12"/>
-          </p:nvPr>
-        </p:nvSpPr>
-        <p:spPr/>
-        <p:txBody>
-          <a:bodyPr/>
-          <a:lstStyle/>
+          <a:lstStyle>
+            <a:lvl1pPr>
+              <a:defRPr>
+                <a:solidFill>
+                  <a:schemeClr val="tx2"/>
+                </a:solidFill>
+              </a:defRPr>
+            </a:lvl1pPr>
+          </a:lstStyle>
           <a:p>
             <a:fld id="{E3E947DA-F43F-4D40-B19E-5A49E0924DE4}" type="slidenum">
               <a:rPr lang="ru-RU" smtClean="0"/>
@@ -2451,7 +2694,7 @@
     </p:spTree>
     <p:extLst>
       <p:ext uri="{BB962C8B-B14F-4D97-AF65-F5344CB8AC3E}">
-        <p14:creationId xmlns:p14="http://schemas.microsoft.com/office/powerpoint/2010/main" val="2130559045"/>
+        <p14:creationId xmlns:p14="http://schemas.microsoft.com/office/powerpoint/2010/main" val="1450524698"/>
       </p:ext>
     </p:extLst>
   </p:cSld>
@@ -2462,7 +2705,7 @@
 </file>
 
 <file path=ppt/slideLayouts/slideLayout9.xml><?xml version="1.0" encoding="utf-8"?>
-<p:sldLayout xmlns:a="http://schemas.openxmlformats.org/drawingml/2006/main" xmlns:r="http://schemas.openxmlformats.org/officeDocument/2006/relationships" xmlns:p="http://schemas.openxmlformats.org/presentationml/2006/main" type="picTx" preserve="1">
+<p:sldLayout xmlns:a="http://schemas.openxmlformats.org/drawingml/2006/main" xmlns:r="http://schemas.openxmlformats.org/officeDocument/2006/relationships" xmlns:p="http://schemas.openxmlformats.org/presentationml/2006/main" showMasterSp="0" type="picTx" preserve="1">
   <p:cSld name="Рисунок с подписью">
     <p:spTree>
       <p:nvGrpSpPr>
@@ -2480,31 +2723,109 @@
       </p:grpSpPr>
       <p:sp>
         <p:nvSpPr>
-          <p:cNvPr id="2" name="Заголовок 1">
-            <a:extLst>
-              <a:ext uri="{FF2B5EF4-FFF2-40B4-BE49-F238E27FC236}">
-                <a16:creationId xmlns:a16="http://schemas.microsoft.com/office/drawing/2014/main" id="{BA75EC5C-026A-80AA-EF7D-4D9CAA396FD6}"/>
-              </a:ext>
-            </a:extLst>
-          </p:cNvPr>
-          <p:cNvSpPr>
-            <a:spLocks noGrp="1"/>
-          </p:cNvSpPr>
-          <p:nvPr>
-            <p:ph type="title"/>
-          </p:nvPr>
+          <p:cNvPr id="8" name="Rectangle 7"/>
+          <p:cNvSpPr/>
+          <p:nvPr/>
         </p:nvSpPr>
         <p:spPr>
           <a:xfrm>
-            <a:off x="839788" y="457200"/>
-            <a:ext cx="3932237" cy="1600200"/>
+            <a:off x="0" y="4953000"/>
+            <a:ext cx="12188825" cy="1905000"/>
+          </a:xfrm>
+          <a:prstGeom prst="rect">
+            <a:avLst/>
+          </a:prstGeom>
+          <a:solidFill>
+            <a:schemeClr val="accent4">
+              <a:lumMod val="75000"/>
+            </a:schemeClr>
+          </a:solidFill>
+          <a:ln>
+            <a:noFill/>
+          </a:ln>
+        </p:spPr>
+        <p:style>
+          <a:lnRef idx="2">
+            <a:schemeClr val="accent1">
+              <a:shade val="50000"/>
+            </a:schemeClr>
+          </a:lnRef>
+          <a:fillRef idx="1">
+            <a:schemeClr val="accent1"/>
+          </a:fillRef>
+          <a:effectRef idx="0">
+            <a:schemeClr val="accent1"/>
+          </a:effectRef>
+          <a:fontRef idx="minor">
+            <a:schemeClr val="lt1"/>
+          </a:fontRef>
+        </p:style>
+      </p:sp>
+      <p:sp>
+        <p:nvSpPr>
+          <p:cNvPr id="9" name="Rectangle 8"/>
+          <p:cNvSpPr/>
+          <p:nvPr/>
+        </p:nvSpPr>
+        <p:spPr>
+          <a:xfrm>
+            <a:off x="15" y="4915076"/>
+            <a:ext cx="12188825" cy="64008"/>
+          </a:xfrm>
+          <a:prstGeom prst="rect">
+            <a:avLst/>
+          </a:prstGeom>
+          <a:solidFill>
+            <a:schemeClr val="accent4"/>
+          </a:solidFill>
+          <a:ln>
+            <a:noFill/>
+          </a:ln>
+        </p:spPr>
+        <p:style>
+          <a:lnRef idx="2">
+            <a:schemeClr val="accent1">
+              <a:shade val="50000"/>
+            </a:schemeClr>
+          </a:lnRef>
+          <a:fillRef idx="1">
+            <a:schemeClr val="accent1"/>
+          </a:fillRef>
+          <a:effectRef idx="0">
+            <a:schemeClr val="accent1"/>
+          </a:effectRef>
+          <a:fontRef idx="minor">
+            <a:schemeClr val="lt1"/>
+          </a:fontRef>
+        </p:style>
+      </p:sp>
+      <p:sp>
+        <p:nvSpPr>
+          <p:cNvPr id="2" name="Title 1"/>
+          <p:cNvSpPr>
+            <a:spLocks noGrp="1"/>
+          </p:cNvSpPr>
+          <p:nvPr>
+            <p:ph type="title"/>
+          </p:nvPr>
+        </p:nvSpPr>
+        <p:spPr>
+          <a:xfrm>
+            <a:off x="1097280" y="5074920"/>
+            <a:ext cx="10113645" cy="822960"/>
           </a:xfrm>
         </p:spPr>
         <p:txBody>
-          <a:bodyPr anchor="b"/>
+          <a:bodyPr lIns="91440" tIns="0" rIns="91440" bIns="0" anchor="b">
+            <a:noAutofit/>
+          </a:bodyPr>
           <a:lstStyle>
             <a:lvl1pPr>
-              <a:defRPr sz="3200"/>
+              <a:defRPr sz="3600" b="0">
+                <a:solidFill>
+                  <a:srgbClr val="FFFFFF"/>
+                </a:solidFill>
+              </a:defRPr>
             </a:lvl1pPr>
           </a:lstStyle>
           <a:p>
@@ -2512,20 +2833,15 @@
               <a:rPr lang="ru-RU"/>
               <a:t>Образец заголовка</a:t>
             </a:r>
-          </a:p>
-        </p:txBody>
-      </p:sp>
-      <p:sp>
-        <p:nvSpPr>
-          <p:cNvPr id="3" name="Рисунок 2">
-            <a:extLst>
-              <a:ext uri="{FF2B5EF4-FFF2-40B4-BE49-F238E27FC236}">
-                <a16:creationId xmlns:a16="http://schemas.microsoft.com/office/drawing/2014/main" id="{63A5C1E6-957B-68CC-1FD0-ECEAF7368936}"/>
-              </a:ext>
-            </a:extLst>
-          </p:cNvPr>
-          <p:cNvSpPr>
-            <a:spLocks noGrp="1"/>
+            <a:endParaRPr lang="en-US" dirty="0"/>
+          </a:p>
+        </p:txBody>
+      </p:sp>
+      <p:sp>
+        <p:nvSpPr>
+          <p:cNvPr id="3" name="Picture Placeholder 2"/>
+          <p:cNvSpPr>
+            <a:spLocks noGrp="1" noChangeAspect="1"/>
           </p:cNvSpPr>
           <p:nvPr>
             <p:ph type="pic" idx="1"/>
@@ -2533,12 +2849,17 @@
         </p:nvSpPr>
         <p:spPr>
           <a:xfrm>
-            <a:off x="5183188" y="987425"/>
-            <a:ext cx="6172200" cy="4873625"/>
+            <a:off x="15" y="0"/>
+            <a:ext cx="12191985" cy="4915076"/>
           </a:xfrm>
+          <a:solidFill>
+            <a:schemeClr val="bg2">
+              <a:lumMod val="90000"/>
+            </a:schemeClr>
+          </a:solidFill>
         </p:spPr>
         <p:txBody>
-          <a:bodyPr/>
+          <a:bodyPr lIns="457200" tIns="457200" anchor="t"/>
           <a:lstStyle>
             <a:lvl1pPr marL="0" indent="0">
               <a:buNone/>
@@ -2578,19 +2899,17 @@
             </a:lvl9pPr>
           </a:lstStyle>
           <a:p>
-            <a:endParaRPr lang="ru-RU"/>
-          </a:p>
-        </p:txBody>
-      </p:sp>
-      <p:sp>
-        <p:nvSpPr>
-          <p:cNvPr id="4" name="Текст 3">
-            <a:extLst>
-              <a:ext uri="{FF2B5EF4-FFF2-40B4-BE49-F238E27FC236}">
-                <a16:creationId xmlns:a16="http://schemas.microsoft.com/office/drawing/2014/main" id="{14B17742-5686-1264-1CAA-2719A5689F09}"/>
-              </a:ext>
-            </a:extLst>
-          </p:cNvPr>
+            <a:r>
+              <a:rPr lang="ru-RU"/>
+              <a:t>Вставка рисунка</a:t>
+            </a:r>
+            <a:endParaRPr lang="en-US" dirty="0"/>
+          </a:p>
+        </p:txBody>
+      </p:sp>
+      <p:sp>
+        <p:nvSpPr>
+          <p:cNvPr id="4" name="Text Placeholder 3"/>
           <p:cNvSpPr>
             <a:spLocks noGrp="1"/>
           </p:cNvSpPr>
@@ -2600,48 +2919,60 @@
         </p:nvSpPr>
         <p:spPr>
           <a:xfrm>
-            <a:off x="839788" y="2057400"/>
-            <a:ext cx="3932237" cy="3811588"/>
+            <a:off x="1097280" y="5907024"/>
+            <a:ext cx="10113264" cy="594360"/>
           </a:xfrm>
         </p:spPr>
         <p:txBody>
-          <a:bodyPr/>
+          <a:bodyPr lIns="91440" tIns="0" rIns="91440" bIns="0">
+            <a:normAutofit/>
+          </a:bodyPr>
           <a:lstStyle>
             <a:lvl1pPr marL="0" indent="0">
-              <a:buNone/>
-              <a:defRPr sz="1600"/>
+              <a:spcBef>
+                <a:spcPts val="0"/>
+              </a:spcBef>
+              <a:spcAft>
+                <a:spcPts val="600"/>
+              </a:spcAft>
+              <a:buNone/>
+              <a:defRPr sz="1500">
+                <a:solidFill>
+                  <a:srgbClr val="FFFFFF"/>
+                </a:solidFill>
+              </a:defRPr>
             </a:lvl1pPr>
             <a:lvl2pPr marL="457200" indent="0">
               <a:buNone/>
-              <a:defRPr sz="1400"/>
+              <a:defRPr sz="1200"/>
             </a:lvl2pPr>
             <a:lvl3pPr marL="914400" indent="0">
               <a:buNone/>
-              <a:defRPr sz="1200"/>
+              <a:defRPr sz="1000"/>
             </a:lvl3pPr>
             <a:lvl4pPr marL="1371600" indent="0">
               <a:buNone/>
-              <a:defRPr sz="1000"/>
+              <a:defRPr sz="900"/>
             </a:lvl4pPr>
             <a:lvl5pPr marL="1828800" indent="0">
               <a:buNone/>
-              <a:defRPr sz="1000"/>
+              <a:defRPr sz="900"/>
             </a:lvl5pPr>
             <a:lvl6pPr marL="2286000" indent="0">
               <a:buNone/>
-              <a:defRPr sz="1000"/>
+              <a:defRPr sz="900"/>
             </a:lvl6pPr>
             <a:lvl7pPr marL="2743200" indent="0">
               <a:buNone/>
-              <a:defRPr sz="1000"/>
+              <a:defRPr sz="900"/>
             </a:lvl7pPr>
             <a:lvl8pPr marL="3200400" indent="0">
               <a:buNone/>
-              <a:defRPr sz="1000"/>
+              <a:defRPr sz="900"/>
             </a:lvl8pPr>
             <a:lvl9pPr marL="3657600" indent="0">
               <a:buNone/>
-              <a:defRPr sz="1000"/>
+              <a:defRPr sz="900"/>
             </a:lvl9pPr>
           </a:lstStyle>
           <a:p>
@@ -2655,13 +2986,7 @@
       </p:sp>
       <p:sp>
         <p:nvSpPr>
-          <p:cNvPr id="5" name="Дата 4">
-            <a:extLst>
-              <a:ext uri="{FF2B5EF4-FFF2-40B4-BE49-F238E27FC236}">
-                <a16:creationId xmlns:a16="http://schemas.microsoft.com/office/drawing/2014/main" id="{99906508-B0C7-34AE-C252-0AF5C79C4A89}"/>
-              </a:ext>
-            </a:extLst>
-          </p:cNvPr>
+          <p:cNvPr id="5" name="Date Placeholder 4"/>
           <p:cNvSpPr>
             <a:spLocks noGrp="1"/>
           </p:cNvSpPr>
@@ -2684,13 +3009,7 @@
       </p:sp>
       <p:sp>
         <p:nvSpPr>
-          <p:cNvPr id="6" name="Нижний колонтитул 5">
-            <a:extLst>
-              <a:ext uri="{FF2B5EF4-FFF2-40B4-BE49-F238E27FC236}">
-                <a16:creationId xmlns:a16="http://schemas.microsoft.com/office/drawing/2014/main" id="{8542FAD4-6780-0056-5E6F-FCAB7AB6D83C}"/>
-              </a:ext>
-            </a:extLst>
-          </p:cNvPr>
+          <p:cNvPr id="6" name="Footer Placeholder 5"/>
           <p:cNvSpPr>
             <a:spLocks noGrp="1"/>
           </p:cNvSpPr>
@@ -2709,13 +3028,7 @@
       </p:sp>
       <p:sp>
         <p:nvSpPr>
-          <p:cNvPr id="7" name="Номер слайда 6">
-            <a:extLst>
-              <a:ext uri="{FF2B5EF4-FFF2-40B4-BE49-F238E27FC236}">
-                <a16:creationId xmlns:a16="http://schemas.microsoft.com/office/drawing/2014/main" id="{EC93CFCB-2B39-9D36-2231-BC0A46D831D6}"/>
-              </a:ext>
-            </a:extLst>
-          </p:cNvPr>
+          <p:cNvPr id="7" name="Slide Number Placeholder 6"/>
           <p:cNvSpPr>
             <a:spLocks noGrp="1"/>
           </p:cNvSpPr>
@@ -2739,7 +3052,7 @@
     </p:spTree>
     <p:extLst>
       <p:ext uri="{BB962C8B-B14F-4D97-AF65-F5344CB8AC3E}">
-        <p14:creationId xmlns:p14="http://schemas.microsoft.com/office/powerpoint/2010/main" val="2248240913"/>
+        <p14:creationId xmlns:p14="http://schemas.microsoft.com/office/powerpoint/2010/main" val="3932120401"/>
       </p:ext>
     </p:extLst>
   </p:cSld>
@@ -2754,7 +3067,7 @@
   <p:cSld>
     <p:bg>
       <p:bgRef idx="1001">
-        <a:schemeClr val="bg1"/>
+        <a:schemeClr val="bg2"/>
       </p:bgRef>
     </p:bg>
     <p:spTree>
@@ -2773,31 +3086,103 @@
       </p:grpSpPr>
       <p:sp>
         <p:nvSpPr>
-          <p:cNvPr id="2" name="Заголовок 1">
-            <a:extLst>
-              <a:ext uri="{FF2B5EF4-FFF2-40B4-BE49-F238E27FC236}">
-                <a16:creationId xmlns:a16="http://schemas.microsoft.com/office/drawing/2014/main" id="{B0F90684-B744-738E-2F57-5715E3C7E278}"/>
-              </a:ext>
-            </a:extLst>
-          </p:cNvPr>
-          <p:cNvSpPr>
-            <a:spLocks noGrp="1"/>
-          </p:cNvSpPr>
-          <p:nvPr>
-            <p:ph type="title"/>
-          </p:nvPr>
+          <p:cNvPr id="7" name="Rectangle 6"/>
+          <p:cNvSpPr/>
+          <p:nvPr/>
         </p:nvSpPr>
         <p:spPr>
           <a:xfrm>
-            <a:off x="838200" y="365125"/>
-            <a:ext cx="10515600" cy="1325563"/>
+            <a:off x="1" y="6400800"/>
+            <a:ext cx="12192000" cy="457200"/>
+          </a:xfrm>
+          <a:prstGeom prst="rect">
+            <a:avLst/>
+          </a:prstGeom>
+          <a:solidFill>
+            <a:schemeClr val="accent4">
+              <a:lumMod val="75000"/>
+            </a:schemeClr>
+          </a:solidFill>
+          <a:ln>
+            <a:noFill/>
+          </a:ln>
+        </p:spPr>
+        <p:style>
+          <a:lnRef idx="2">
+            <a:schemeClr val="accent1">
+              <a:shade val="50000"/>
+            </a:schemeClr>
+          </a:lnRef>
+          <a:fillRef idx="1">
+            <a:schemeClr val="accent1"/>
+          </a:fillRef>
+          <a:effectRef idx="0">
+            <a:schemeClr val="accent1"/>
+          </a:effectRef>
+          <a:fontRef idx="minor">
+            <a:schemeClr val="lt1"/>
+          </a:fontRef>
+        </p:style>
+      </p:sp>
+      <p:sp>
+        <p:nvSpPr>
+          <p:cNvPr id="9" name="Rectangle 8"/>
+          <p:cNvSpPr/>
+          <p:nvPr/>
+        </p:nvSpPr>
+        <p:spPr>
+          <a:xfrm>
+            <a:off x="15" y="6334316"/>
+            <a:ext cx="12191985" cy="66484"/>
+          </a:xfrm>
+          <a:prstGeom prst="rect">
+            <a:avLst/>
+          </a:prstGeom>
+          <a:solidFill>
+            <a:schemeClr val="accent4"/>
+          </a:solidFill>
+          <a:ln>
+            <a:noFill/>
+          </a:ln>
+        </p:spPr>
+        <p:style>
+          <a:lnRef idx="2">
+            <a:schemeClr val="accent1">
+              <a:shade val="50000"/>
+            </a:schemeClr>
+          </a:lnRef>
+          <a:fillRef idx="1">
+            <a:schemeClr val="accent1"/>
+          </a:fillRef>
+          <a:effectRef idx="0">
+            <a:schemeClr val="accent1"/>
+          </a:effectRef>
+          <a:fontRef idx="minor">
+            <a:schemeClr val="lt1"/>
+          </a:fontRef>
+        </p:style>
+      </p:sp>
+      <p:sp>
+        <p:nvSpPr>
+          <p:cNvPr id="2" name="Title Placeholder 1"/>
+          <p:cNvSpPr>
+            <a:spLocks noGrp="1"/>
+          </p:cNvSpPr>
+          <p:nvPr>
+            <p:ph type="title"/>
+          </p:nvPr>
+        </p:nvSpPr>
+        <p:spPr>
+          <a:xfrm>
+            <a:off x="1097280" y="286603"/>
+            <a:ext cx="10058400" cy="1450757"/>
           </a:xfrm>
           <a:prstGeom prst="rect">
             <a:avLst/>
           </a:prstGeom>
         </p:spPr>
         <p:txBody>
-          <a:bodyPr vert="horz" lIns="91440" tIns="45720" rIns="91440" bIns="45720" rtlCol="0" anchor="ctr">
+          <a:bodyPr vert="horz" lIns="91440" tIns="45720" rIns="91440" bIns="45720" rtlCol="0" anchor="b">
             <a:normAutofit/>
           </a:bodyPr>
           <a:lstStyle/>
@@ -2806,18 +3191,13 @@
               <a:rPr lang="ru-RU"/>
               <a:t>Образец заголовка</a:t>
             </a:r>
-          </a:p>
-        </p:txBody>
-      </p:sp>
-      <p:sp>
-        <p:nvSpPr>
-          <p:cNvPr id="3" name="Текст 2">
-            <a:extLst>
-              <a:ext uri="{FF2B5EF4-FFF2-40B4-BE49-F238E27FC236}">
-                <a16:creationId xmlns:a16="http://schemas.microsoft.com/office/drawing/2014/main" id="{160887D4-42CC-D200-4D55-A2F8CB18E717}"/>
-              </a:ext>
-            </a:extLst>
-          </p:cNvPr>
+            <a:endParaRPr lang="en-US" dirty="0"/>
+          </a:p>
+        </p:txBody>
+      </p:sp>
+      <p:sp>
+        <p:nvSpPr>
+          <p:cNvPr id="3" name="Text Placeholder 2"/>
           <p:cNvSpPr>
             <a:spLocks noGrp="1"/>
           </p:cNvSpPr>
@@ -2827,15 +3207,15 @@
         </p:nvSpPr>
         <p:spPr>
           <a:xfrm>
-            <a:off x="838200" y="1825625"/>
-            <a:ext cx="10515600" cy="4351338"/>
+            <a:off x="1097280" y="1845734"/>
+            <a:ext cx="10058400" cy="4023360"/>
           </a:xfrm>
           <a:prstGeom prst="rect">
             <a:avLst/>
           </a:prstGeom>
         </p:spPr>
         <p:txBody>
-          <a:bodyPr vert="horz" lIns="91440" tIns="45720" rIns="91440" bIns="45720" rtlCol="0">
+          <a:bodyPr vert="horz" lIns="0" tIns="45720" rIns="0" bIns="45720" rtlCol="0">
             <a:normAutofit/>
           </a:bodyPr>
           <a:lstStyle/>
@@ -2873,18 +3253,13 @@
               <a:rPr lang="ru-RU"/>
               <a:t>Пятый уровень</a:t>
             </a:r>
-          </a:p>
-        </p:txBody>
-      </p:sp>
-      <p:sp>
-        <p:nvSpPr>
-          <p:cNvPr id="4" name="Дата 3">
-            <a:extLst>
-              <a:ext uri="{FF2B5EF4-FFF2-40B4-BE49-F238E27FC236}">
-                <a16:creationId xmlns:a16="http://schemas.microsoft.com/office/drawing/2014/main" id="{9135D96F-38D8-83C0-67CF-819B3B94386C}"/>
-              </a:ext>
-            </a:extLst>
-          </p:cNvPr>
+            <a:endParaRPr lang="en-US" dirty="0"/>
+          </a:p>
+        </p:txBody>
+      </p:sp>
+      <p:sp>
+        <p:nvSpPr>
+          <p:cNvPr id="4" name="Date Placeholder 3"/>
           <p:cNvSpPr>
             <a:spLocks noGrp="1"/>
           </p:cNvSpPr>
@@ -2894,8 +3269,8 @@
         </p:nvSpPr>
         <p:spPr>
           <a:xfrm>
-            <a:off x="838200" y="6356350"/>
-            <a:ext cx="2743200" cy="365125"/>
+            <a:off x="1097280" y="6459785"/>
+            <a:ext cx="2472271" cy="365125"/>
           </a:xfrm>
           <a:prstGeom prst="rect">
             <a:avLst/>
@@ -2905,11 +3280,9 @@
           <a:bodyPr vert="horz" lIns="91440" tIns="45720" rIns="91440" bIns="45720" rtlCol="0" anchor="ctr"/>
           <a:lstStyle>
             <a:lvl1pPr algn="l">
-              <a:defRPr sz="1200">
+              <a:defRPr sz="900">
                 <a:solidFill>
-                  <a:schemeClr val="tx1">
-                    <a:tint val="75000"/>
-                  </a:schemeClr>
+                  <a:srgbClr val="FFFFFF"/>
                 </a:solidFill>
               </a:defRPr>
             </a:lvl1pPr>
@@ -2925,13 +3298,7 @@
       </p:sp>
       <p:sp>
         <p:nvSpPr>
-          <p:cNvPr id="5" name="Нижний колонтитул 4">
-            <a:extLst>
-              <a:ext uri="{FF2B5EF4-FFF2-40B4-BE49-F238E27FC236}">
-                <a16:creationId xmlns:a16="http://schemas.microsoft.com/office/drawing/2014/main" id="{B95EEF39-EB25-A41F-7028-7B676AD558D9}"/>
-              </a:ext>
-            </a:extLst>
-          </p:cNvPr>
+          <p:cNvPr id="5" name="Footer Placeholder 4"/>
           <p:cNvSpPr>
             <a:spLocks noGrp="1"/>
           </p:cNvSpPr>
@@ -2941,8 +3308,8 @@
         </p:nvSpPr>
         <p:spPr>
           <a:xfrm>
-            <a:off x="4038600" y="6356350"/>
-            <a:ext cx="4114800" cy="365125"/>
+            <a:off x="3686185" y="6459785"/>
+            <a:ext cx="4822804" cy="365125"/>
           </a:xfrm>
           <a:prstGeom prst="rect">
             <a:avLst/>
@@ -2952,11 +3319,9 @@
           <a:bodyPr vert="horz" lIns="91440" tIns="45720" rIns="91440" bIns="45720" rtlCol="0" anchor="ctr"/>
           <a:lstStyle>
             <a:lvl1pPr algn="ctr">
-              <a:defRPr sz="1200">
+              <a:defRPr sz="900" cap="all" baseline="0">
                 <a:solidFill>
-                  <a:schemeClr val="tx1">
-                    <a:tint val="75000"/>
-                  </a:schemeClr>
+                  <a:srgbClr val="FFFFFF"/>
                 </a:solidFill>
               </a:defRPr>
             </a:lvl1pPr>
@@ -2968,13 +3333,7 @@
       </p:sp>
       <p:sp>
         <p:nvSpPr>
-          <p:cNvPr id="6" name="Номер слайда 5">
-            <a:extLst>
-              <a:ext uri="{FF2B5EF4-FFF2-40B4-BE49-F238E27FC236}">
-                <a16:creationId xmlns:a16="http://schemas.microsoft.com/office/drawing/2014/main" id="{CC89C087-E8B5-CB34-88CE-36A2793928FA}"/>
-              </a:ext>
-            </a:extLst>
-          </p:cNvPr>
+          <p:cNvPr id="6" name="Slide Number Placeholder 5"/>
           <p:cNvSpPr>
             <a:spLocks noGrp="1"/>
           </p:cNvSpPr>
@@ -2984,8 +3343,8 @@
         </p:nvSpPr>
         <p:spPr>
           <a:xfrm>
-            <a:off x="8610600" y="6356350"/>
-            <a:ext cx="2743200" cy="365125"/>
+            <a:off x="9900458" y="6459785"/>
+            <a:ext cx="1312025" cy="365125"/>
           </a:xfrm>
           <a:prstGeom prst="rect">
             <a:avLst/>
@@ -2995,11 +3354,9 @@
           <a:bodyPr vert="horz" lIns="91440" tIns="45720" rIns="91440" bIns="45720" rtlCol="0" anchor="ctr"/>
           <a:lstStyle>
             <a:lvl1pPr algn="r">
-              <a:defRPr sz="1200">
+              <a:defRPr sz="1050">
                 <a:solidFill>
-                  <a:schemeClr val="tx1">
-                    <a:tint val="75000"/>
-                  </a:schemeClr>
+                  <a:srgbClr val="FFFFFF"/>
                 </a:solidFill>
               </a:defRPr>
             </a:lvl1pPr>
@@ -3013,40 +3370,81 @@
           </a:p>
         </p:txBody>
       </p:sp>
+      <p:cxnSp>
+        <p:nvCxnSpPr>
+          <p:cNvPr id="10" name="Straight Connector 9"/>
+          <p:cNvCxnSpPr/>
+          <p:nvPr/>
+        </p:nvCxnSpPr>
+        <p:spPr>
+          <a:xfrm>
+            <a:off x="1193532" y="1737845"/>
+            <a:ext cx="9966960" cy="0"/>
+          </a:xfrm>
+          <a:prstGeom prst="line">
+            <a:avLst/>
+          </a:prstGeom>
+          <a:ln w="6350">
+            <a:solidFill>
+              <a:schemeClr val="tx1">
+                <a:lumMod val="50000"/>
+                <a:lumOff val="50000"/>
+              </a:schemeClr>
+            </a:solidFill>
+          </a:ln>
+        </p:spPr>
+        <p:style>
+          <a:lnRef idx="1">
+            <a:schemeClr val="accent1"/>
+          </a:lnRef>
+          <a:fillRef idx="0">
+            <a:schemeClr val="accent1"/>
+          </a:fillRef>
+          <a:effectRef idx="0">
+            <a:schemeClr val="accent1"/>
+          </a:effectRef>
+          <a:fontRef idx="minor">
+            <a:schemeClr val="tx1"/>
+          </a:fontRef>
+        </p:style>
+      </p:cxnSp>
     </p:spTree>
     <p:extLst>
       <p:ext uri="{BB962C8B-B14F-4D97-AF65-F5344CB8AC3E}">
-        <p14:creationId xmlns:p14="http://schemas.microsoft.com/office/powerpoint/2010/main" val="1807048879"/>
+        <p14:creationId xmlns:p14="http://schemas.microsoft.com/office/powerpoint/2010/main" val="115692313"/>
       </p:ext>
     </p:extLst>
   </p:cSld>
   <p:clrMap bg1="lt1" tx1="dk1" bg2="lt2" tx2="dk2" accent1="accent1" accent2="accent2" accent3="accent3" accent4="accent4" accent5="accent5" accent6="accent6" hlink="hlink" folHlink="folHlink"/>
   <p:sldLayoutIdLst>
-    <p:sldLayoutId id="2147483649" r:id="rId1"/>
-    <p:sldLayoutId id="2147483650" r:id="rId2"/>
-    <p:sldLayoutId id="2147483651" r:id="rId3"/>
-    <p:sldLayoutId id="2147483652" r:id="rId4"/>
-    <p:sldLayoutId id="2147483653" r:id="rId5"/>
-    <p:sldLayoutId id="2147483654" r:id="rId6"/>
-    <p:sldLayoutId id="2147483655" r:id="rId7"/>
-    <p:sldLayoutId id="2147483656" r:id="rId8"/>
-    <p:sldLayoutId id="2147483657" r:id="rId9"/>
-    <p:sldLayoutId id="2147483658" r:id="rId10"/>
-    <p:sldLayoutId id="2147483659" r:id="rId11"/>
+    <p:sldLayoutId id="2147483685" r:id="rId1"/>
+    <p:sldLayoutId id="2147483686" r:id="rId2"/>
+    <p:sldLayoutId id="2147483687" r:id="rId3"/>
+    <p:sldLayoutId id="2147483688" r:id="rId4"/>
+    <p:sldLayoutId id="2147483689" r:id="rId5"/>
+    <p:sldLayoutId id="2147483690" r:id="rId6"/>
+    <p:sldLayoutId id="2147483691" r:id="rId7"/>
+    <p:sldLayoutId id="2147483692" r:id="rId8"/>
+    <p:sldLayoutId id="2147483693" r:id="rId9"/>
+    <p:sldLayoutId id="2147483694" r:id="rId10"/>
+    <p:sldLayoutId id="2147483695" r:id="rId11"/>
   </p:sldLayoutIdLst>
   <p:txStyles>
     <p:titleStyle>
       <a:lvl1pPr algn="l" defTabSz="914400" rtl="0" eaLnBrk="1" latinLnBrk="0" hangingPunct="1">
         <a:lnSpc>
-          <a:spcPct val="90000"/>
+          <a:spcPct val="85000"/>
         </a:lnSpc>
         <a:spcBef>
           <a:spcPct val="0"/>
         </a:spcBef>
         <a:buNone/>
-        <a:defRPr sz="4400" kern="1200">
+        <a:defRPr sz="4800" kern="1200" spc="-50" baseline="0">
           <a:solidFill>
-            <a:schemeClr val="tx1"/>
+            <a:schemeClr val="tx1">
+              <a:lumMod val="75000"/>
+              <a:lumOff val="25000"/>
+            </a:schemeClr>
           </a:solidFill>
           <a:latin typeface="+mj-lt"/>
           <a:ea typeface="+mj-ea"/>
@@ -3055,162 +3453,244 @@
       </a:lvl1pPr>
     </p:titleStyle>
     <p:bodyStyle>
-      <a:lvl1pPr marL="228600" indent="-228600" algn="l" defTabSz="914400" rtl="0" eaLnBrk="1" latinLnBrk="0" hangingPunct="1">
+      <a:lvl1pPr marL="91440" indent="-91440" algn="l" defTabSz="914400" rtl="0" eaLnBrk="1" latinLnBrk="0" hangingPunct="1">
         <a:lnSpc>
           <a:spcPct val="90000"/>
         </a:lnSpc>
         <a:spcBef>
-          <a:spcPts val="1000"/>
+          <a:spcPts val="1200"/>
         </a:spcBef>
-        <a:buFont typeface="Arial" panose="020B0604020202020204" pitchFamily="34" charset="0"/>
-        <a:buChar char="•"/>
-        <a:defRPr sz="2800" kern="1200">
+        <a:spcAft>
+          <a:spcPts val="200"/>
+        </a:spcAft>
+        <a:buClr>
+          <a:schemeClr val="accent1"/>
+        </a:buClr>
+        <a:buSzPct val="100000"/>
+        <a:buFont typeface="Calibri" panose="020F0502020204030204" pitchFamily="34" charset="0"/>
+        <a:buChar char=" "/>
+        <a:defRPr sz="2000" kern="1200">
           <a:solidFill>
-            <a:schemeClr val="tx1"/>
+            <a:schemeClr val="tx1">
+              <a:lumMod val="75000"/>
+              <a:lumOff val="25000"/>
+            </a:schemeClr>
           </a:solidFill>
           <a:latin typeface="+mn-lt"/>
           <a:ea typeface="+mn-ea"/>
           <a:cs typeface="+mn-cs"/>
         </a:defRPr>
       </a:lvl1pPr>
-      <a:lvl2pPr marL="685800" indent="-228600" algn="l" defTabSz="914400" rtl="0" eaLnBrk="1" latinLnBrk="0" hangingPunct="1">
+      <a:lvl2pPr marL="384048" indent="-182880" algn="l" defTabSz="914400" rtl="0" eaLnBrk="1" latinLnBrk="0" hangingPunct="1">
         <a:lnSpc>
           <a:spcPct val="90000"/>
         </a:lnSpc>
         <a:spcBef>
-          <a:spcPts val="500"/>
+          <a:spcPts val="200"/>
         </a:spcBef>
-        <a:buFont typeface="Arial" panose="020B0604020202020204" pitchFamily="34" charset="0"/>
-        <a:buChar char="•"/>
-        <a:defRPr sz="2400" kern="1200">
+        <a:spcAft>
+          <a:spcPts val="400"/>
+        </a:spcAft>
+        <a:buClr>
+          <a:schemeClr val="accent1"/>
+        </a:buClr>
+        <a:buFont typeface="Calibri" pitchFamily="34" charset="0"/>
+        <a:buChar char="◦"/>
+        <a:defRPr sz="1800" kern="1200">
           <a:solidFill>
-            <a:schemeClr val="tx1"/>
+            <a:schemeClr val="tx1">
+              <a:lumMod val="75000"/>
+              <a:lumOff val="25000"/>
+            </a:schemeClr>
           </a:solidFill>
           <a:latin typeface="+mn-lt"/>
           <a:ea typeface="+mn-ea"/>
           <a:cs typeface="+mn-cs"/>
         </a:defRPr>
       </a:lvl2pPr>
-      <a:lvl3pPr marL="1143000" indent="-228600" algn="l" defTabSz="914400" rtl="0" eaLnBrk="1" latinLnBrk="0" hangingPunct="1">
+      <a:lvl3pPr marL="566928" indent="-182880" algn="l" defTabSz="914400" rtl="0" eaLnBrk="1" latinLnBrk="0" hangingPunct="1">
         <a:lnSpc>
           <a:spcPct val="90000"/>
         </a:lnSpc>
         <a:spcBef>
-          <a:spcPts val="500"/>
+          <a:spcPts val="200"/>
         </a:spcBef>
-        <a:buFont typeface="Arial" panose="020B0604020202020204" pitchFamily="34" charset="0"/>
-        <a:buChar char="•"/>
-        <a:defRPr sz="2000" kern="1200">
+        <a:spcAft>
+          <a:spcPts val="400"/>
+        </a:spcAft>
+        <a:buClr>
+          <a:schemeClr val="accent1"/>
+        </a:buClr>
+        <a:buFont typeface="Calibri" pitchFamily="34" charset="0"/>
+        <a:buChar char="◦"/>
+        <a:defRPr sz="1400" kern="1200">
           <a:solidFill>
-            <a:schemeClr val="tx1"/>
+            <a:schemeClr val="tx1">
+              <a:lumMod val="75000"/>
+              <a:lumOff val="25000"/>
+            </a:schemeClr>
           </a:solidFill>
           <a:latin typeface="+mn-lt"/>
           <a:ea typeface="+mn-ea"/>
           <a:cs typeface="+mn-cs"/>
         </a:defRPr>
       </a:lvl3pPr>
-      <a:lvl4pPr marL="1600200" indent="-228600" algn="l" defTabSz="914400" rtl="0" eaLnBrk="1" latinLnBrk="0" hangingPunct="1">
+      <a:lvl4pPr marL="749808" indent="-182880" algn="l" defTabSz="914400" rtl="0" eaLnBrk="1" latinLnBrk="0" hangingPunct="1">
         <a:lnSpc>
           <a:spcPct val="90000"/>
         </a:lnSpc>
         <a:spcBef>
-          <a:spcPts val="500"/>
+          <a:spcPts val="200"/>
         </a:spcBef>
-        <a:buFont typeface="Arial" panose="020B0604020202020204" pitchFamily="34" charset="0"/>
-        <a:buChar char="•"/>
-        <a:defRPr sz="1800" kern="1200">
+        <a:spcAft>
+          <a:spcPts val="400"/>
+        </a:spcAft>
+        <a:buClr>
+          <a:schemeClr val="accent1"/>
+        </a:buClr>
+        <a:buFont typeface="Calibri" pitchFamily="34" charset="0"/>
+        <a:buChar char="◦"/>
+        <a:defRPr sz="1400" kern="1200">
           <a:solidFill>
-            <a:schemeClr val="tx1"/>
+            <a:schemeClr val="tx1">
+              <a:lumMod val="75000"/>
+              <a:lumOff val="25000"/>
+            </a:schemeClr>
           </a:solidFill>
           <a:latin typeface="+mn-lt"/>
           <a:ea typeface="+mn-ea"/>
           <a:cs typeface="+mn-cs"/>
         </a:defRPr>
       </a:lvl4pPr>
-      <a:lvl5pPr marL="2057400" indent="-228600" algn="l" defTabSz="914400" rtl="0" eaLnBrk="1" latinLnBrk="0" hangingPunct="1">
+      <a:lvl5pPr marL="932688" indent="-182880" algn="l" defTabSz="914400" rtl="0" eaLnBrk="1" latinLnBrk="0" hangingPunct="1">
         <a:lnSpc>
           <a:spcPct val="90000"/>
         </a:lnSpc>
         <a:spcBef>
-          <a:spcPts val="500"/>
+          <a:spcPts val="200"/>
         </a:spcBef>
-        <a:buFont typeface="Arial" panose="020B0604020202020204" pitchFamily="34" charset="0"/>
-        <a:buChar char="•"/>
-        <a:defRPr sz="1800" kern="1200">
+        <a:spcAft>
+          <a:spcPts val="400"/>
+        </a:spcAft>
+        <a:buClr>
+          <a:schemeClr val="accent1"/>
+        </a:buClr>
+        <a:buFont typeface="Calibri" pitchFamily="34" charset="0"/>
+        <a:buChar char="◦"/>
+        <a:defRPr sz="1400" kern="1200">
           <a:solidFill>
-            <a:schemeClr val="tx1"/>
+            <a:schemeClr val="tx1">
+              <a:lumMod val="75000"/>
+              <a:lumOff val="25000"/>
+            </a:schemeClr>
           </a:solidFill>
           <a:latin typeface="+mn-lt"/>
           <a:ea typeface="+mn-ea"/>
           <a:cs typeface="+mn-cs"/>
         </a:defRPr>
       </a:lvl5pPr>
-      <a:lvl6pPr marL="2514600" indent="-228600" algn="l" defTabSz="914400" rtl="0" eaLnBrk="1" latinLnBrk="0" hangingPunct="1">
+      <a:lvl6pPr marL="1100000" indent="-228600" algn="l" defTabSz="914400" rtl="0" eaLnBrk="1" latinLnBrk="0" hangingPunct="1">
         <a:lnSpc>
           <a:spcPct val="90000"/>
         </a:lnSpc>
         <a:spcBef>
-          <a:spcPts val="500"/>
+          <a:spcPts val="200"/>
         </a:spcBef>
-        <a:buFont typeface="Arial" panose="020B0604020202020204" pitchFamily="34" charset="0"/>
-        <a:buChar char="•"/>
-        <a:defRPr sz="1800" kern="1200">
+        <a:spcAft>
+          <a:spcPts val="400"/>
+        </a:spcAft>
+        <a:buClr>
+          <a:schemeClr val="accent1"/>
+        </a:buClr>
+        <a:buFont typeface="Calibri" pitchFamily="34" charset="0"/>
+        <a:buChar char="◦"/>
+        <a:defRPr sz="1400" kern="1200">
           <a:solidFill>
-            <a:schemeClr val="tx1"/>
+            <a:schemeClr val="tx1">
+              <a:lumMod val="75000"/>
+              <a:lumOff val="25000"/>
+            </a:schemeClr>
           </a:solidFill>
           <a:latin typeface="+mn-lt"/>
           <a:ea typeface="+mn-ea"/>
           <a:cs typeface="+mn-cs"/>
         </a:defRPr>
       </a:lvl6pPr>
-      <a:lvl7pPr marL="2971800" indent="-228600" algn="l" defTabSz="914400" rtl="0" eaLnBrk="1" latinLnBrk="0" hangingPunct="1">
+      <a:lvl7pPr marL="1300000" indent="-228600" algn="l" defTabSz="914400" rtl="0" eaLnBrk="1" latinLnBrk="0" hangingPunct="1">
         <a:lnSpc>
           <a:spcPct val="90000"/>
         </a:lnSpc>
         <a:spcBef>
-          <a:spcPts val="500"/>
+          <a:spcPts val="200"/>
         </a:spcBef>
-        <a:buFont typeface="Arial" panose="020B0604020202020204" pitchFamily="34" charset="0"/>
-        <a:buChar char="•"/>
-        <a:defRPr sz="1800" kern="1200">
+        <a:spcAft>
+          <a:spcPts val="400"/>
+        </a:spcAft>
+        <a:buClr>
+          <a:schemeClr val="accent1"/>
+        </a:buClr>
+        <a:buFont typeface="Calibri" pitchFamily="34" charset="0"/>
+        <a:buChar char="◦"/>
+        <a:defRPr sz="1400" kern="1200">
           <a:solidFill>
-            <a:schemeClr val="tx1"/>
+            <a:schemeClr val="tx1">
+              <a:lumMod val="75000"/>
+              <a:lumOff val="25000"/>
+            </a:schemeClr>
           </a:solidFill>
           <a:latin typeface="+mn-lt"/>
           <a:ea typeface="+mn-ea"/>
           <a:cs typeface="+mn-cs"/>
         </a:defRPr>
       </a:lvl7pPr>
-      <a:lvl8pPr marL="3429000" indent="-228600" algn="l" defTabSz="914400" rtl="0" eaLnBrk="1" latinLnBrk="0" hangingPunct="1">
+      <a:lvl8pPr marL="1500000" indent="-228600" algn="l" defTabSz="914400" rtl="0" eaLnBrk="1" latinLnBrk="0" hangingPunct="1">
         <a:lnSpc>
           <a:spcPct val="90000"/>
         </a:lnSpc>
         <a:spcBef>
-          <a:spcPts val="500"/>
+          <a:spcPts val="200"/>
         </a:spcBef>
-        <a:buFont typeface="Arial" panose="020B0604020202020204" pitchFamily="34" charset="0"/>
-        <a:buChar char="•"/>
-        <a:defRPr sz="1800" kern="1200">
+        <a:spcAft>
+          <a:spcPts val="400"/>
+        </a:spcAft>
+        <a:buClr>
+          <a:schemeClr val="accent1"/>
+        </a:buClr>
+        <a:buFont typeface="Calibri" pitchFamily="34" charset="0"/>
+        <a:buChar char="◦"/>
+        <a:defRPr sz="1400" kern="1200">
           <a:solidFill>
-            <a:schemeClr val="tx1"/>
+            <a:schemeClr val="tx1">
+              <a:lumMod val="75000"/>
+              <a:lumOff val="25000"/>
+            </a:schemeClr>
           </a:solidFill>
           <a:latin typeface="+mn-lt"/>
           <a:ea typeface="+mn-ea"/>
           <a:cs typeface="+mn-cs"/>
         </a:defRPr>
       </a:lvl8pPr>
-      <a:lvl9pPr marL="3886200" indent="-228600" algn="l" defTabSz="914400" rtl="0" eaLnBrk="1" latinLnBrk="0" hangingPunct="1">
+      <a:lvl9pPr marL="1700000" indent="-228600" algn="l" defTabSz="914400" rtl="0" eaLnBrk="1" latinLnBrk="0" hangingPunct="1">
         <a:lnSpc>
           <a:spcPct val="90000"/>
         </a:lnSpc>
         <a:spcBef>
-          <a:spcPts val="500"/>
+          <a:spcPts val="200"/>
         </a:spcBef>
-        <a:buFont typeface="Arial" panose="020B0604020202020204" pitchFamily="34" charset="0"/>
-        <a:buChar char="•"/>
-        <a:defRPr sz="1800" kern="1200">
+        <a:spcAft>
+          <a:spcPts val="400"/>
+        </a:spcAft>
+        <a:buClr>
+          <a:schemeClr val="accent1"/>
+        </a:buClr>
+        <a:buFont typeface="Calibri" pitchFamily="34" charset="0"/>
+        <a:buChar char="◦"/>
+        <a:defRPr sz="1400" kern="1200">
           <a:solidFill>
-            <a:schemeClr val="tx1"/>
+            <a:schemeClr val="tx1">
+              <a:lumMod val="75000"/>
+              <a:lumOff val="25000"/>
+            </a:schemeClr>
           </a:solidFill>
           <a:latin typeface="+mn-lt"/>
           <a:ea typeface="+mn-ea"/>
@@ -3220,7 +3700,7 @@
     </p:bodyStyle>
     <p:otherStyle>
       <a:defPPr>
-        <a:defRPr lang="ru-RU"/>
+        <a:defRPr lang="en-US"/>
       </a:defPPr>
       <a:lvl1pPr marL="0" algn="l" defTabSz="914400" rtl="0" eaLnBrk="1" latinLnBrk="0" hangingPunct="1">
         <a:defRPr sz="1800" kern="1200">
@@ -3389,11 +3869,19 @@
             </a:r>
             <a:r>
               <a:rPr lang="en-US" dirty="0"/>
-              <a:t> Greedy algorithm</a:t>
+              <a:t> </a:t>
             </a:r>
             <a:r>
               <a:rPr lang="ru-RU" dirty="0"/>
-              <a:t> </a:t>
+              <a:t>«</a:t>
+            </a:r>
+            <a:r>
+              <a:rPr lang="en-US" dirty="0"/>
+              <a:t>Greedy algorithm</a:t>
+            </a:r>
+            <a:r>
+              <a:rPr lang="ru-RU" dirty="0"/>
+              <a:t>» </a:t>
             </a:r>
           </a:p>
         </p:txBody>
@@ -3651,7 +4139,7 @@
         <p:spPr/>
         <p:txBody>
           <a:bodyPr>
-            <a:normAutofit lnSpcReduction="10000"/>
+            <a:normAutofit/>
           </a:bodyPr>
           <a:lstStyle/>
           <a:p>
@@ -4353,7 +4841,7 @@
         </p:nvSpPr>
         <p:spPr>
           <a:xfrm>
-            <a:off x="838200" y="2695197"/>
+            <a:off x="838200" y="431391"/>
             <a:ext cx="10515600" cy="1325563"/>
           </a:xfrm>
         </p:spPr>
@@ -4383,54 +4871,54 @@
 </file>
 
 <file path=ppt/theme/theme1.xml><?xml version="1.0" encoding="utf-8"?>
-<a:theme xmlns:a="http://schemas.openxmlformats.org/drawingml/2006/main" name="Тема Office">
+<a:theme xmlns:a="http://schemas.openxmlformats.org/drawingml/2006/main" name="Ретро">
   <a:themeElements>
-    <a:clrScheme name="Стандартная">
+    <a:clrScheme name="Индикатор">
       <a:dk1>
-        <a:sysClr val="windowText" lastClr="000000"/>
+        <a:srgbClr val="000000"/>
       </a:dk1>
       <a:lt1>
         <a:sysClr val="window" lastClr="FFFFFF"/>
       </a:lt1>
       <a:dk2>
-        <a:srgbClr val="44546A"/>
+        <a:srgbClr val="5E5E5E"/>
       </a:dk2>
       <a:lt2>
-        <a:srgbClr val="E7E6E6"/>
+        <a:srgbClr val="DDDDDD"/>
       </a:lt2>
       <a:accent1>
-        <a:srgbClr val="4472C4"/>
+        <a:srgbClr val="418AB3"/>
       </a:accent1>
       <a:accent2>
-        <a:srgbClr val="ED7D31"/>
+        <a:srgbClr val="A6B727"/>
       </a:accent2>
       <a:accent3>
-        <a:srgbClr val="A5A5A5"/>
+        <a:srgbClr val="F69200"/>
       </a:accent3>
       <a:accent4>
-        <a:srgbClr val="FFC000"/>
+        <a:srgbClr val="838383"/>
       </a:accent4>
       <a:accent5>
-        <a:srgbClr val="5B9BD5"/>
+        <a:srgbClr val="FEC306"/>
       </a:accent5>
       <a:accent6>
-        <a:srgbClr val="70AD47"/>
+        <a:srgbClr val="DF5327"/>
       </a:accent6>
       <a:hlink>
-        <a:srgbClr val="0563C1"/>
+        <a:srgbClr val="F59E00"/>
       </a:hlink>
       <a:folHlink>
-        <a:srgbClr val="954F72"/>
+        <a:srgbClr val="B2B2B2"/>
       </a:folHlink>
     </a:clrScheme>
-    <a:fontScheme name="Стандартная">
+    <a:fontScheme name="Ретро">
       <a:majorFont>
         <a:latin typeface="Calibri Light" panose="020F0302020204030204"/>
         <a:ea typeface=""/>
         <a:cs typeface=""/>
-        <a:font script="Jpan" typeface="游ゴシック Light"/>
+        <a:font script="Jpan" typeface="ＭＳ Ｐゴシック"/>
         <a:font script="Hang" typeface="맑은 고딕"/>
-        <a:font script="Hans" typeface="等线 Light"/>
+        <a:font script="Hans" typeface="宋体"/>
         <a:font script="Hant" typeface="新細明體"/>
         <a:font script="Arab" typeface="Times New Roman"/>
         <a:font script="Hebr" typeface="Times New Roman"/>
@@ -4458,31 +4946,14 @@
         <a:font script="Viet" typeface="Times New Roman"/>
         <a:font script="Uigh" typeface="Microsoft Uighur"/>
         <a:font script="Geor" typeface="Sylfaen"/>
-        <a:font script="Armn" typeface="Arial"/>
-        <a:font script="Bugi" typeface="Leelawadee UI"/>
-        <a:font script="Bopo" typeface="Microsoft JhengHei"/>
-        <a:font script="Java" typeface="Javanese Text"/>
-        <a:font script="Lisu" typeface="Segoe UI"/>
-        <a:font script="Mymr" typeface="Myanmar Text"/>
-        <a:font script="Nkoo" typeface="Ebrima"/>
-        <a:font script="Olck" typeface="Nirmala UI"/>
-        <a:font script="Osma" typeface="Ebrima"/>
-        <a:font script="Phag" typeface="Phagspa"/>
-        <a:font script="Syrn" typeface="Estrangelo Edessa"/>
-        <a:font script="Syrj" typeface="Estrangelo Edessa"/>
-        <a:font script="Syre" typeface="Estrangelo Edessa"/>
-        <a:font script="Sora" typeface="Nirmala UI"/>
-        <a:font script="Tale" typeface="Microsoft Tai Le"/>
-        <a:font script="Talu" typeface="Microsoft New Tai Lue"/>
-        <a:font script="Tfng" typeface="Ebrima"/>
       </a:majorFont>
       <a:minorFont>
         <a:latin typeface="Calibri" panose="020F0502020204030204"/>
         <a:ea typeface=""/>
         <a:cs typeface=""/>
-        <a:font script="Jpan" typeface="游ゴシック"/>
+        <a:font script="Jpan" typeface="ＭＳ Ｐゴシック"/>
         <a:font script="Hang" typeface="맑은 고딕"/>
-        <a:font script="Hans" typeface="等线"/>
+        <a:font script="Hans" typeface="宋体"/>
         <a:font script="Hant" typeface="新細明體"/>
         <a:font script="Arab" typeface="Arial"/>
         <a:font script="Hebr" typeface="Arial"/>
@@ -4510,26 +4981,9 @@
         <a:font script="Viet" typeface="Arial"/>
         <a:font script="Uigh" typeface="Microsoft Uighur"/>
         <a:font script="Geor" typeface="Sylfaen"/>
-        <a:font script="Armn" typeface="Arial"/>
-        <a:font script="Bugi" typeface="Leelawadee UI"/>
-        <a:font script="Bopo" typeface="Microsoft JhengHei"/>
-        <a:font script="Java" typeface="Javanese Text"/>
-        <a:font script="Lisu" typeface="Segoe UI"/>
-        <a:font script="Mymr" typeface="Myanmar Text"/>
-        <a:font script="Nkoo" typeface="Ebrima"/>
-        <a:font script="Olck" typeface="Nirmala UI"/>
-        <a:font script="Osma" typeface="Ebrima"/>
-        <a:font script="Phag" typeface="Phagspa"/>
-        <a:font script="Syrn" typeface="Estrangelo Edessa"/>
-        <a:font script="Syrj" typeface="Estrangelo Edessa"/>
-        <a:font script="Syre" typeface="Estrangelo Edessa"/>
-        <a:font script="Sora" typeface="Nirmala UI"/>
-        <a:font script="Tale" typeface="Microsoft Tai Le"/>
-        <a:font script="Talu" typeface="Microsoft New Tai Lue"/>
-        <a:font script="Tfng" typeface="Ebrima"/>
       </a:minorFont>
     </a:fontScheme>
-    <a:fmtScheme name="Стандартная">
+    <a:fmtScheme name="Ретро">
       <a:fillStyleLst>
         <a:solidFill>
           <a:schemeClr val="phClr"/>
@@ -4538,76 +4992,81 @@
           <a:gsLst>
             <a:gs pos="0">
               <a:schemeClr val="phClr">
-                <a:lumMod val="110000"/>
-                <a:satMod val="105000"/>
-                <a:tint val="67000"/>
+                <a:tint val="65000"/>
+                <a:shade val="92000"/>
+                <a:satMod val="130000"/>
               </a:schemeClr>
             </a:gs>
-            <a:gs pos="50000">
+            <a:gs pos="45000">
               <a:schemeClr val="phClr">
-                <a:lumMod val="105000"/>
-                <a:satMod val="103000"/>
-                <a:tint val="73000"/>
+                <a:tint val="60000"/>
+                <a:shade val="99000"/>
+                <a:satMod val="120000"/>
               </a:schemeClr>
             </a:gs>
             <a:gs pos="100000">
               <a:schemeClr val="phClr">
-                <a:lumMod val="105000"/>
-                <a:satMod val="109000"/>
-                <a:tint val="81000"/>
+                <a:tint val="55000"/>
+                <a:satMod val="140000"/>
               </a:schemeClr>
             </a:gs>
           </a:gsLst>
-          <a:lin ang="5400000" scaled="0"/>
+          <a:path path="circle">
+            <a:fillToRect l="100000" t="100000" r="100000" b="100000"/>
+          </a:path>
         </a:gradFill>
         <a:gradFill rotWithShape="1">
           <a:gsLst>
             <a:gs pos="0">
               <a:schemeClr val="phClr">
-                <a:satMod val="103000"/>
-                <a:lumMod val="102000"/>
-                <a:tint val="94000"/>
+                <a:shade val="85000"/>
+                <a:satMod val="130000"/>
               </a:schemeClr>
             </a:gs>
-            <a:gs pos="50000">
+            <a:gs pos="34000">
               <a:schemeClr val="phClr">
-                <a:satMod val="110000"/>
-                <a:lumMod val="100000"/>
-                <a:shade val="100000"/>
+                <a:shade val="87000"/>
+                <a:satMod val="125000"/>
+              </a:schemeClr>
+            </a:gs>
+            <a:gs pos="70000">
+              <a:schemeClr val="phClr">
+                <a:tint val="100000"/>
+                <a:shade val="90000"/>
+                <a:satMod val="130000"/>
               </a:schemeClr>
             </a:gs>
             <a:gs pos="100000">
               <a:schemeClr val="phClr">
-                <a:lumMod val="99000"/>
-                <a:satMod val="120000"/>
-                <a:shade val="78000"/>
+                <a:tint val="100000"/>
+                <a:shade val="100000"/>
+                <a:satMod val="110000"/>
               </a:schemeClr>
             </a:gs>
           </a:gsLst>
-          <a:lin ang="5400000" scaled="0"/>
+          <a:path path="circle">
+            <a:fillToRect l="100000" t="100000" r="100000" b="100000"/>
+          </a:path>
         </a:gradFill>
       </a:fillStyleLst>
       <a:lnStyleLst>
-        <a:ln w="6350" cap="flat" cmpd="sng" algn="ctr">
-          <a:solidFill>
-            <a:schemeClr val="phClr"/>
-          </a:solidFill>
-          <a:prstDash val="solid"/>
-          <a:miter lim="800000"/>
-        </a:ln>
         <a:ln w="12700" cap="flat" cmpd="sng" algn="ctr">
           <a:solidFill>
             <a:schemeClr val="phClr"/>
           </a:solidFill>
           <a:prstDash val="solid"/>
-          <a:miter lim="800000"/>
         </a:ln>
-        <a:ln w="19050" cap="flat" cmpd="sng" algn="ctr">
+        <a:ln w="15875" cap="flat" cmpd="sng" algn="ctr">
           <a:solidFill>
             <a:schemeClr val="phClr"/>
           </a:solidFill>
           <a:prstDash val="solid"/>
-          <a:miter lim="800000"/>
+        </a:ln>
+        <a:ln w="25400" cap="flat" cmpd="sng" algn="ctr">
+          <a:solidFill>
+            <a:schemeClr val="phClr"/>
+          </a:solidFill>
+          <a:prstDash val="solid"/>
         </a:ln>
       </a:lnStyleLst>
       <a:effectStyleLst>
@@ -4615,16 +5074,33 @@
           <a:effectLst/>
         </a:effectStyle>
         <a:effectStyle>
-          <a:effectLst/>
+          <a:effectLst>
+            <a:outerShdw blurRad="38100" dist="25400" dir="2700000" algn="br" rotWithShape="0">
+              <a:srgbClr val="000000">
+                <a:alpha val="60000"/>
+              </a:srgbClr>
+            </a:outerShdw>
+          </a:effectLst>
         </a:effectStyle>
         <a:effectStyle>
           <a:effectLst>
-            <a:outerShdw blurRad="57150" dist="19050" dir="5400000" algn="ctr" rotWithShape="0">
+            <a:outerShdw blurRad="44450" dist="25400" dir="2700000" algn="br" rotWithShape="0">
               <a:srgbClr val="000000">
-                <a:alpha val="63000"/>
+                <a:alpha val="60000"/>
               </a:srgbClr>
             </a:outerShdw>
           </a:effectLst>
+          <a:scene3d>
+            <a:camera prst="orthographicFront">
+              <a:rot lat="0" lon="0" rev="0"/>
+            </a:camera>
+            <a:lightRig rig="threePt" dir="t">
+              <a:rot lat="0" lon="0" rev="19800000"/>
+            </a:lightRig>
+          </a:scene3d>
+          <a:sp3d prstMaterial="flat">
+            <a:bevelT w="25400" h="31750"/>
+          </a:sp3d>
         </a:effectStyle>
       </a:effectStyleLst>
       <a:bgFillStyleLst>
@@ -4633,36 +5109,36 @@
         </a:solidFill>
         <a:solidFill>
           <a:schemeClr val="phClr">
-            <a:tint val="95000"/>
-            <a:satMod val="170000"/>
+            <a:tint val="90000"/>
+            <a:shade val="97000"/>
+            <a:satMod val="130000"/>
           </a:schemeClr>
         </a:solidFill>
         <a:gradFill rotWithShape="1">
           <a:gsLst>
             <a:gs pos="0">
               <a:schemeClr val="phClr">
-                <a:tint val="93000"/>
-                <a:satMod val="150000"/>
-                <a:shade val="98000"/>
-                <a:lumMod val="102000"/>
+                <a:tint val="96000"/>
+                <a:shade val="99000"/>
+                <a:satMod val="140000"/>
               </a:schemeClr>
             </a:gs>
-            <a:gs pos="50000">
+            <a:gs pos="65000">
               <a:schemeClr val="phClr">
-                <a:tint val="98000"/>
+                <a:tint val="100000"/>
+                <a:shade val="80000"/>
                 <a:satMod val="130000"/>
-                <a:shade val="90000"/>
-                <a:lumMod val="103000"/>
               </a:schemeClr>
             </a:gs>
             <a:gs pos="100000">
               <a:schemeClr val="phClr">
-                <a:shade val="63000"/>
+                <a:tint val="100000"/>
+                <a:shade val="48000"/>
                 <a:satMod val="120000"/>
               </a:schemeClr>
             </a:gs>
           </a:gsLst>
-          <a:lin ang="5400000" scaled="0"/>
+          <a:lin ang="16200000" scaled="0"/>
         </a:gradFill>
       </a:bgFillStyleLst>
     </a:fmtScheme>
@@ -4671,7 +5147,7 @@
   <a:extraClrSchemeLst/>
   <a:extLst>
     <a:ext uri="{05A4C25C-085E-4340-85A3-A5531E510DB2}">
-      <thm15:themeFamily xmlns:thm15="http://schemas.microsoft.com/office/thememl/2012/main" name="Office Theme" id="{62F939B6-93AF-4DB8-9C6B-D6C7DFDC589F}" vid="{4A3C46E8-61CC-4603-A589-7422A47A8E4A}"/>
+      <thm15:themeFamily xmlns:thm15="http://schemas.microsoft.com/office/thememl/2012/main" name="Retrospect" id="{5F128B03-DCCA-4EEB-AB3B-CF2899314A46}" vid="{BAB94BD4-5D6D-4148-AB57-A4CCF1FD4E0C}"/>
     </a:ext>
   </a:extLst>
 </a:theme>
